--- a/Epoch_Time_Cycles_Syntax.pptx
+++ b/Epoch_Time_Cycles_Syntax.pptx
@@ -3345,7 +3345,7 @@
         </p:nvSpPr>
         <p:spPr>
           <a:xfrm>
-            <a:off x="-413845" y="-89393"/>
+            <a:off x="-766481" y="-142793"/>
             <a:ext cx="9144000" cy="1105722"/>
           </a:xfrm>
         </p:spPr>
@@ -3356,7 +3356,7 @@
           <a:lstStyle/>
           <a:p>
             <a:r>
-              <a:rPr lang="en-US" sz="5400" dirty="0">
+              <a:rPr lang="en-US" sz="4400" dirty="0">
                 <a:latin typeface="Times New Roman" panose="02020603050405020304" pitchFamily="18" charset="0"/>
                 <a:cs typeface="Times New Roman" panose="02020603050405020304" pitchFamily="18" charset="0"/>
               </a:rPr>
@@ -3383,8 +3383,8 @@
         </p:nvSpPr>
         <p:spPr>
           <a:xfrm>
-            <a:off x="-215338" y="1083804"/>
-            <a:ext cx="9144000" cy="595531"/>
+            <a:off x="132150" y="1076030"/>
+            <a:ext cx="7767732" cy="595531"/>
           </a:xfrm>
         </p:spPr>
         <p:txBody>
@@ -3394,7 +3394,7 @@
           <a:lstStyle/>
           <a:p>
             <a:r>
-              <a:rPr lang="en-US" sz="3200" dirty="0">
+              <a:rPr lang="en-US" sz="2800" dirty="0">
                 <a:latin typeface="Arial" panose="020B0604020202020204" pitchFamily="34" charset="0"/>
                 <a:cs typeface="Arial" panose="020B0604020202020204" pitchFamily="34" charset="0"/>
               </a:rPr>
@@ -3431,8 +3431,8 @@
         </p:blipFill>
         <p:spPr>
           <a:xfrm>
-            <a:off x="7705015" y="2564190"/>
-            <a:ext cx="4401880" cy="4293810"/>
+            <a:off x="7756254" y="3388660"/>
+            <a:ext cx="4338965" cy="3459814"/>
           </a:xfrm>
           <a:prstGeom prst="rect">
             <a:avLst/>
@@ -3467,7 +3467,7 @@
         </p:blipFill>
         <p:spPr>
           <a:xfrm>
-            <a:off x="132149" y="1814286"/>
+            <a:off x="96780" y="1719391"/>
             <a:ext cx="7624104" cy="4962581"/>
           </a:xfrm>
           <a:prstGeom prst="rect">
@@ -3480,6 +3480,445 @@
           </a:ln>
         </p:spPr>
       </p:pic>
+      <p:sp>
+        <p:nvSpPr>
+          <p:cNvPr id="4" name="Rectangle 3">
+            <a:extLst>
+              <a:ext uri="{FF2B5EF4-FFF2-40B4-BE49-F238E27FC236}">
+                <a16:creationId xmlns:a16="http://schemas.microsoft.com/office/drawing/2014/main" id="{69CF6E58-A06D-405F-B496-F3D0DA5D3D57}"/>
+              </a:ext>
+            </a:extLst>
+          </p:cNvPr>
+          <p:cNvSpPr/>
+          <p:nvPr/>
+        </p:nvSpPr>
+        <p:spPr>
+          <a:xfrm>
+            <a:off x="-1" y="6267"/>
+            <a:ext cx="12192001" cy="6770599"/>
+          </a:xfrm>
+          <a:prstGeom prst="rect">
+            <a:avLst/>
+          </a:prstGeom>
+          <a:noFill/>
+        </p:spPr>
+        <p:style>
+          <a:lnRef idx="2">
+            <a:schemeClr val="accent1">
+              <a:shade val="50000"/>
+            </a:schemeClr>
+          </a:lnRef>
+          <a:fillRef idx="1">
+            <a:schemeClr val="accent1"/>
+          </a:fillRef>
+          <a:effectRef idx="0">
+            <a:schemeClr val="accent1"/>
+          </a:effectRef>
+          <a:fontRef idx="minor">
+            <a:schemeClr val="lt1"/>
+          </a:fontRef>
+        </p:style>
+        <p:txBody>
+          <a:bodyPr rtlCol="0" anchor="ctr"/>
+          <a:lstStyle/>
+          <a:p>
+            <a:pPr algn="ctr"/>
+            <a:endParaRPr lang="en-US"/>
+          </a:p>
+        </p:txBody>
+      </p:sp>
+      <p:pic>
+        <p:nvPicPr>
+          <p:cNvPr id="8" name="Picture 210" descr="bitcoin-blockchain">
+            <a:extLst>
+              <a:ext uri="{FF2B5EF4-FFF2-40B4-BE49-F238E27FC236}">
+                <a16:creationId xmlns:a16="http://schemas.microsoft.com/office/drawing/2014/main" id="{3703B1E2-6417-4A5B-8ABB-0B2C8F944E4C}"/>
+              </a:ext>
+            </a:extLst>
+          </p:cNvPr>
+          <p:cNvPicPr>
+            <a:picLocks noChangeAspect="1" noChangeArrowheads="1"/>
+          </p:cNvPicPr>
+          <p:nvPr/>
+        </p:nvPicPr>
+        <p:blipFill>
+          <a:blip r:embed="rId4" cstate="print">
+            <a:extLst>
+              <a:ext uri="{28A0092B-C50C-407E-A947-70E740481C1C}">
+                <a14:useLocalDpi xmlns:a14="http://schemas.microsoft.com/office/drawing/2010/main" val="0"/>
+              </a:ext>
+            </a:extLst>
+          </a:blip>
+          <a:srcRect/>
+          <a:stretch>
+            <a:fillRect/>
+          </a:stretch>
+        </p:blipFill>
+        <p:spPr bwMode="auto">
+          <a:xfrm>
+            <a:off x="3805519" y="1832031"/>
+            <a:ext cx="3915366" cy="1072534"/>
+          </a:xfrm>
+          <a:prstGeom prst="rect">
+            <a:avLst/>
+          </a:prstGeom>
+          <a:noFill/>
+          <a:ln>
+            <a:noFill/>
+          </a:ln>
+          <a:extLst>
+            <a:ext uri="{909E8E84-426E-40DD-AFC4-6F175D3DCCD1}">
+              <a14:hiddenFill xmlns:a14="http://schemas.microsoft.com/office/drawing/2010/main">
+                <a:solidFill>
+                  <a:srgbClr val="FFFFFF"/>
+                </a:solidFill>
+              </a14:hiddenFill>
+            </a:ext>
+            <a:ext uri="{91240B29-F687-4F45-9708-019B960494DF}">
+              <a14:hiddenLine xmlns:a14="http://schemas.microsoft.com/office/drawing/2010/main" w="9525">
+                <a:solidFill>
+                  <a:srgbClr val="000000"/>
+                </a:solidFill>
+                <a:miter lim="800000"/>
+                <a:headEnd/>
+                <a:tailEnd/>
+              </a14:hiddenLine>
+            </a:ext>
+          </a:extLst>
+        </p:spPr>
+      </p:pic>
+      <p:pic>
+        <p:nvPicPr>
+          <p:cNvPr id="2050" name="Picture 2" descr="Bitcoin Protocol Explained - Timestamp Server / Global Ledger - YouTube">
+            <a:extLst>
+              <a:ext uri="{FF2B5EF4-FFF2-40B4-BE49-F238E27FC236}">
+                <a16:creationId xmlns:a16="http://schemas.microsoft.com/office/drawing/2014/main" id="{E53BDEA9-1E9C-4B0F-B22E-6D286DFC2729}"/>
+              </a:ext>
+            </a:extLst>
+          </p:cNvPr>
+          <p:cNvPicPr>
+            <a:picLocks noChangeAspect="1" noChangeArrowheads="1"/>
+          </p:cNvPicPr>
+          <p:nvPr/>
+        </p:nvPicPr>
+        <p:blipFill rotWithShape="1">
+          <a:blip r:embed="rId5">
+            <a:extLst>
+              <a:ext uri="{28A0092B-C50C-407E-A947-70E740481C1C}">
+                <a14:useLocalDpi xmlns:a14="http://schemas.microsoft.com/office/drawing/2010/main" val="0"/>
+              </a:ext>
+            </a:extLst>
+          </a:blip>
+          <a:srcRect l="7941" r="8199" b="16275"/>
+          <a:stretch/>
+        </p:blipFill>
+        <p:spPr bwMode="auto">
+          <a:xfrm>
+            <a:off x="132150" y="5481918"/>
+            <a:ext cx="2305836" cy="1294948"/>
+          </a:xfrm>
+          <a:prstGeom prst="rect">
+            <a:avLst/>
+          </a:prstGeom>
+          <a:noFill/>
+          <a:extLst>
+            <a:ext uri="{909E8E84-426E-40DD-AFC4-6F175D3DCCD1}">
+              <a14:hiddenFill xmlns:a14="http://schemas.microsoft.com/office/drawing/2010/main">
+                <a:solidFill>
+                  <a:srgbClr val="FFFFFF"/>
+                </a:solidFill>
+              </a14:hiddenFill>
+            </a:ext>
+          </a:extLst>
+        </p:spPr>
+      </p:pic>
+      <p:pic>
+        <p:nvPicPr>
+          <p:cNvPr id="10" name="Picture 1956" descr="w_01zlzi[1]">
+            <a:extLst>
+              <a:ext uri="{FF2B5EF4-FFF2-40B4-BE49-F238E27FC236}">
+                <a16:creationId xmlns:a16="http://schemas.microsoft.com/office/drawing/2014/main" id="{F7BCDA07-C669-4629-B049-65081A1E299E}"/>
+              </a:ext>
+            </a:extLst>
+          </p:cNvPr>
+          <p:cNvPicPr>
+            <a:picLocks noChangeAspect="1" noChangeArrowheads="1"/>
+          </p:cNvPicPr>
+          <p:nvPr/>
+        </p:nvPicPr>
+        <p:blipFill>
+          <a:blip r:embed="rId6" cstate="print">
+            <a:extLst>
+              <a:ext uri="{28A0092B-C50C-407E-A947-70E740481C1C}">
+                <a14:useLocalDpi xmlns:a14="http://schemas.microsoft.com/office/drawing/2010/main" val="0"/>
+              </a:ext>
+            </a:extLst>
+          </a:blip>
+          <a:srcRect/>
+          <a:stretch>
+            <a:fillRect/>
+          </a:stretch>
+        </p:blipFill>
+        <p:spPr bwMode="auto">
+          <a:xfrm>
+            <a:off x="2356250" y="5888711"/>
+            <a:ext cx="814145" cy="888156"/>
+          </a:xfrm>
+          <a:prstGeom prst="rect">
+            <a:avLst/>
+          </a:prstGeom>
+          <a:noFill/>
+          <a:ln>
+            <a:noFill/>
+          </a:ln>
+          <a:extLst>
+            <a:ext uri="{909E8E84-426E-40DD-AFC4-6F175D3DCCD1}">
+              <a14:hiddenFill xmlns:a14="http://schemas.microsoft.com/office/drawing/2010/main">
+                <a:solidFill>
+                  <a:srgbClr val="FFFFFF"/>
+                </a:solidFill>
+              </a14:hiddenFill>
+            </a:ext>
+            <a:ext uri="{91240B29-F687-4F45-9708-019B960494DF}">
+              <a14:hiddenLine xmlns:a14="http://schemas.microsoft.com/office/drawing/2010/main" w="9525">
+                <a:solidFill>
+                  <a:srgbClr val="000000"/>
+                </a:solidFill>
+                <a:miter lim="800000"/>
+                <a:headEnd/>
+                <a:tailEnd/>
+              </a14:hiddenLine>
+            </a:ext>
+          </a:extLst>
+        </p:spPr>
+      </p:pic>
+      <p:pic>
+        <p:nvPicPr>
+          <p:cNvPr id="12" name="Picture 314" descr="rgfiahjg[1]">
+            <a:extLst>
+              <a:ext uri="{FF2B5EF4-FFF2-40B4-BE49-F238E27FC236}">
+                <a16:creationId xmlns:a16="http://schemas.microsoft.com/office/drawing/2014/main" id="{9CF2F5AA-7C4F-415D-A831-092546D97B7A}"/>
+              </a:ext>
+            </a:extLst>
+          </p:cNvPr>
+          <p:cNvPicPr>
+            <a:picLocks noChangeAspect="1" noChangeArrowheads="1"/>
+          </p:cNvPicPr>
+          <p:nvPr/>
+        </p:nvPicPr>
+        <p:blipFill>
+          <a:blip r:embed="rId7" cstate="print">
+            <a:extLst>
+              <a:ext uri="{28A0092B-C50C-407E-A947-70E740481C1C}">
+                <a14:useLocalDpi xmlns:a14="http://schemas.microsoft.com/office/drawing/2010/main" val="0"/>
+              </a:ext>
+            </a:extLst>
+          </a:blip>
+          <a:srcRect/>
+          <a:stretch>
+            <a:fillRect/>
+          </a:stretch>
+        </p:blipFill>
+        <p:spPr bwMode="auto">
+          <a:xfrm>
+            <a:off x="2534767" y="5060577"/>
+            <a:ext cx="496793" cy="502024"/>
+          </a:xfrm>
+          <a:prstGeom prst="rect">
+            <a:avLst/>
+          </a:prstGeom>
+          <a:noFill/>
+          <a:ln>
+            <a:noFill/>
+          </a:ln>
+          <a:extLst>
+            <a:ext uri="{909E8E84-426E-40DD-AFC4-6F175D3DCCD1}">
+              <a14:hiddenFill xmlns:a14="http://schemas.microsoft.com/office/drawing/2010/main">
+                <a:solidFill>
+                  <a:srgbClr val="FFFFFF"/>
+                </a:solidFill>
+              </a14:hiddenFill>
+            </a:ext>
+            <a:ext uri="{91240B29-F687-4F45-9708-019B960494DF}">
+              <a14:hiddenLine xmlns:a14="http://schemas.microsoft.com/office/drawing/2010/main" w="9525">
+                <a:solidFill>
+                  <a:srgbClr val="000000"/>
+                </a:solidFill>
+                <a:miter lim="800000"/>
+                <a:headEnd/>
+                <a:tailEnd/>
+              </a14:hiddenLine>
+            </a:ext>
+          </a:extLst>
+        </p:spPr>
+      </p:pic>
+      <p:pic>
+        <p:nvPicPr>
+          <p:cNvPr id="13" name="Picture 1956" descr="w_01zlzi[1]">
+            <a:extLst>
+              <a:ext uri="{FF2B5EF4-FFF2-40B4-BE49-F238E27FC236}">
+                <a16:creationId xmlns:a16="http://schemas.microsoft.com/office/drawing/2014/main" id="{DACA2320-D58C-4083-B85F-2F7F7185D96F}"/>
+              </a:ext>
+            </a:extLst>
+          </p:cNvPr>
+          <p:cNvPicPr>
+            <a:picLocks noChangeAspect="1" noChangeArrowheads="1"/>
+          </p:cNvPicPr>
+          <p:nvPr/>
+        </p:nvPicPr>
+        <p:blipFill>
+          <a:blip r:embed="rId6" cstate="print">
+            <a:extLst>
+              <a:ext uri="{28A0092B-C50C-407E-A947-70E740481C1C}">
+                <a14:useLocalDpi xmlns:a14="http://schemas.microsoft.com/office/drawing/2010/main" val="0"/>
+              </a:ext>
+            </a:extLst>
+          </a:blip>
+          <a:srcRect/>
+          <a:stretch>
+            <a:fillRect/>
+          </a:stretch>
+        </p:blipFill>
+        <p:spPr bwMode="auto">
+          <a:xfrm>
+            <a:off x="0" y="122917"/>
+            <a:ext cx="688548" cy="751141"/>
+          </a:xfrm>
+          <a:prstGeom prst="rect">
+            <a:avLst/>
+          </a:prstGeom>
+          <a:noFill/>
+          <a:ln>
+            <a:noFill/>
+          </a:ln>
+          <a:extLst>
+            <a:ext uri="{909E8E84-426E-40DD-AFC4-6F175D3DCCD1}">
+              <a14:hiddenFill xmlns:a14="http://schemas.microsoft.com/office/drawing/2010/main">
+                <a:solidFill>
+                  <a:srgbClr val="FFFFFF"/>
+                </a:solidFill>
+              </a14:hiddenFill>
+            </a:ext>
+            <a:ext uri="{91240B29-F687-4F45-9708-019B960494DF}">
+              <a14:hiddenLine xmlns:a14="http://schemas.microsoft.com/office/drawing/2010/main" w="9525">
+                <a:solidFill>
+                  <a:srgbClr val="000000"/>
+                </a:solidFill>
+                <a:miter lim="800000"/>
+                <a:headEnd/>
+                <a:tailEnd/>
+              </a14:hiddenLine>
+            </a:ext>
+          </a:extLst>
+        </p:spPr>
+      </p:pic>
+      <p:pic>
+        <p:nvPicPr>
+          <p:cNvPr id="15" name="Picture 6" descr="SYNTAX DLSU (@syntaxdlsu) | Twitter">
+            <a:extLst>
+              <a:ext uri="{FF2B5EF4-FFF2-40B4-BE49-F238E27FC236}">
+                <a16:creationId xmlns:a16="http://schemas.microsoft.com/office/drawing/2014/main" id="{C255DFF8-9E8C-4EAD-AB72-9B096074D552}"/>
+              </a:ext>
+            </a:extLst>
+          </p:cNvPr>
+          <p:cNvPicPr>
+            <a:picLocks noChangeAspect="1" noChangeArrowheads="1"/>
+          </p:cNvPicPr>
+          <p:nvPr/>
+        </p:nvPicPr>
+        <p:blipFill>
+          <a:blip r:embed="rId8">
+            <a:extLst>
+              <a:ext uri="{28A0092B-C50C-407E-A947-70E740481C1C}">
+                <a14:useLocalDpi xmlns:a14="http://schemas.microsoft.com/office/drawing/2010/main" val="0"/>
+              </a:ext>
+            </a:extLst>
+          </a:blip>
+          <a:srcRect/>
+          <a:stretch>
+            <a:fillRect/>
+          </a:stretch>
+        </p:blipFill>
+        <p:spPr bwMode="auto">
+          <a:xfrm>
+            <a:off x="6965575" y="44263"/>
+            <a:ext cx="733823" cy="1112001"/>
+          </a:xfrm>
+          <a:prstGeom prst="rect">
+            <a:avLst/>
+          </a:prstGeom>
+          <a:noFill/>
+          <a:extLst>
+            <a:ext uri="{909E8E84-426E-40DD-AFC4-6F175D3DCCD1}">
+              <a14:hiddenFill xmlns:a14="http://schemas.microsoft.com/office/drawing/2010/main">
+                <a:solidFill>
+                  <a:srgbClr val="FFFFFF"/>
+                </a:solidFill>
+              </a14:hiddenFill>
+            </a:ext>
+          </a:extLst>
+        </p:spPr>
+      </p:pic>
+      <p:pic>
+        <p:nvPicPr>
+          <p:cNvPr id="16" name="Picture 163" descr="CryptoNotify">
+            <a:extLst>
+              <a:ext uri="{FF2B5EF4-FFF2-40B4-BE49-F238E27FC236}">
+                <a16:creationId xmlns:a16="http://schemas.microsoft.com/office/drawing/2014/main" id="{ED96E736-6E84-4099-B629-677912E2F10D}"/>
+              </a:ext>
+            </a:extLst>
+          </p:cNvPr>
+          <p:cNvPicPr>
+            <a:picLocks noChangeAspect="1" noChangeArrowheads="1"/>
+          </p:cNvPicPr>
+          <p:nvPr/>
+        </p:nvPicPr>
+        <p:blipFill>
+          <a:blip r:embed="rId9">
+            <a:extLst>
+              <a:ext uri="{28A0092B-C50C-407E-A947-70E740481C1C}">
+                <a14:useLocalDpi xmlns:a14="http://schemas.microsoft.com/office/drawing/2010/main" val="0"/>
+              </a:ext>
+            </a:extLst>
+          </a:blip>
+          <a:srcRect/>
+          <a:stretch>
+            <a:fillRect/>
+          </a:stretch>
+        </p:blipFill>
+        <p:spPr bwMode="auto">
+          <a:xfrm>
+            <a:off x="3137289" y="2299447"/>
+            <a:ext cx="766839" cy="1129553"/>
+          </a:xfrm>
+          <a:prstGeom prst="rect">
+            <a:avLst/>
+          </a:prstGeom>
+          <a:noFill/>
+          <a:ln>
+            <a:noFill/>
+          </a:ln>
+          <a:extLst>
+            <a:ext uri="{909E8E84-426E-40DD-AFC4-6F175D3DCCD1}">
+              <a14:hiddenFill xmlns:a14="http://schemas.microsoft.com/office/drawing/2010/main">
+                <a:solidFill>
+                  <a:srgbClr val="FFFFFF"/>
+                </a:solidFill>
+              </a14:hiddenFill>
+            </a:ext>
+            <a:ext uri="{91240B29-F687-4F45-9708-019B960494DF}">
+              <a14:hiddenLine xmlns:a14="http://schemas.microsoft.com/office/drawing/2010/main" w="9525">
+                <a:solidFill>
+                  <a:srgbClr val="000000"/>
+                </a:solidFill>
+                <a:miter lim="800000"/>
+                <a:headEnd/>
+                <a:tailEnd/>
+              </a14:hiddenLine>
+            </a:ext>
+          </a:extLst>
+        </p:spPr>
+      </p:pic>
       <p:pic>
         <p:nvPicPr>
           <p:cNvPr id="11" name="Picture 10" descr="A close up of a map&#10;&#10;Description automatically generated">
@@ -3495,7 +3934,7 @@
           <p:nvPr/>
         </p:nvPicPr>
         <p:blipFill>
-          <a:blip r:embed="rId4">
+          <a:blip r:embed="rId10">
             <a:extLst>
               <a:ext uri="{28A0092B-C50C-407E-A947-70E740481C1C}">
                 <a14:useLocalDpi xmlns:a14="http://schemas.microsoft.com/office/drawing/2010/main" val="0"/>
@@ -3508,8 +3947,8 @@
         </p:blipFill>
         <p:spPr>
           <a:xfrm>
-            <a:off x="8928662" y="0"/>
-            <a:ext cx="3300286" cy="2651276"/>
+            <a:off x="7682753" y="0"/>
+            <a:ext cx="4546196" cy="3477744"/>
           </a:xfrm>
           <a:prstGeom prst="rect">
             <a:avLst/>
@@ -3611,18 +4050,18 @@
         </p:nvSpPr>
         <p:spPr>
           <a:xfrm>
-            <a:off x="54443" y="-189184"/>
-            <a:ext cx="6214598" cy="1325563"/>
+            <a:off x="790804" y="-236024"/>
+            <a:ext cx="5340560" cy="1325563"/>
           </a:xfrm>
         </p:spPr>
         <p:txBody>
           <a:bodyPr>
-            <a:normAutofit fontScale="90000"/>
+            <a:normAutofit/>
           </a:bodyPr>
           <a:lstStyle/>
           <a:p>
             <a:r>
-              <a:rPr lang="en-US" sz="4900" dirty="0">
+              <a:rPr lang="en-US" sz="4000" dirty="0">
                 <a:solidFill>
                   <a:schemeClr val="accent1">
                     <a:lumMod val="75000"/>
@@ -3636,7 +4075,7 @@
               </a:rPr>
               <a:t>Time Epochs / Syntax:</a:t>
             </a:r>
-            <a:endParaRPr lang="en-US" dirty="0">
+            <a:endParaRPr lang="en-US" sz="3600" dirty="0">
               <a:solidFill>
                 <a:schemeClr val="accent1">
                   <a:lumMod val="75000"/>
@@ -4533,53 +4972,6 @@
       </p:pic>
       <p:pic>
         <p:nvPicPr>
-          <p:cNvPr id="1026" name="Picture 2">
-            <a:extLst>
-              <a:ext uri="{FF2B5EF4-FFF2-40B4-BE49-F238E27FC236}">
-                <a16:creationId xmlns:a16="http://schemas.microsoft.com/office/drawing/2014/main" id="{0A9D5C76-6F41-4CF3-A550-FD2BAF4A068E}"/>
-              </a:ext>
-            </a:extLst>
-          </p:cNvPr>
-          <p:cNvPicPr>
-            <a:picLocks noChangeAspect="1" noChangeArrowheads="1"/>
-          </p:cNvPicPr>
-          <p:nvPr/>
-        </p:nvPicPr>
-        <p:blipFill>
-          <a:blip r:embed="rId9">
-            <a:extLst>
-              <a:ext uri="{28A0092B-C50C-407E-A947-70E740481C1C}">
-                <a14:useLocalDpi xmlns:a14="http://schemas.microsoft.com/office/drawing/2010/main" val="0"/>
-              </a:ext>
-            </a:extLst>
-          </a:blip>
-          <a:srcRect/>
-          <a:stretch>
-            <a:fillRect/>
-          </a:stretch>
-        </p:blipFill>
-        <p:spPr bwMode="auto">
-          <a:xfrm>
-            <a:off x="4836073" y="2799100"/>
-            <a:ext cx="1869856" cy="1049328"/>
-          </a:xfrm>
-          <a:prstGeom prst="rect">
-            <a:avLst/>
-          </a:prstGeom>
-          <a:noFill/>
-          <a:extLst>
-            <a:ext uri="{909E8E84-426E-40DD-AFC4-6F175D3DCCD1}">
-              <a14:hiddenFill xmlns:a14="http://schemas.microsoft.com/office/drawing/2010/main">
-                <a:solidFill>
-                  <a:srgbClr val="FFFFFF"/>
-                </a:solidFill>
-              </a14:hiddenFill>
-            </a:ext>
-          </a:extLst>
-        </p:spPr>
-      </p:pic>
-      <p:pic>
-        <p:nvPicPr>
           <p:cNvPr id="1028" name="Picture 4" descr="The Seven Layers of Nexus Tritium Simplified – Spaid – Medium">
             <a:extLst>
               <a:ext uri="{FF2B5EF4-FFF2-40B4-BE49-F238E27FC236}">
@@ -4593,7 +4985,7 @@
           <p:nvPr/>
         </p:nvPicPr>
         <p:blipFill rotWithShape="1">
-          <a:blip r:embed="rId10">
+          <a:blip r:embed="rId9">
             <a:extLst>
               <a:ext uri="{28A0092B-C50C-407E-A947-70E740481C1C}">
                 <a14:useLocalDpi xmlns:a14="http://schemas.microsoft.com/office/drawing/2010/main" val="0"/>
@@ -4672,26 +5064,15 @@
                 <a:latin typeface="Arial" panose="020B0604020202020204" pitchFamily="34" charset="0"/>
                 <a:cs typeface="Arial" panose="020B0604020202020204" pitchFamily="34" charset="0"/>
               </a:rPr>
-              <a:t>1) Epoch Time Cycles to 2) process (not) syntax </a:t>
+              <a:t>1) Epoch Time Cycles to 2) process (not) syntax as instructions</a:t>
             </a:r>
             <a:r>
-              <a:rPr lang="en-US" b="1">
-                <a:latin typeface="Arial" panose="020B0604020202020204" pitchFamily="34" charset="0"/>
-                <a:cs typeface="Arial" panose="020B0604020202020204" pitchFamily="34" charset="0"/>
-              </a:rPr>
-              <a:t>as instructions</a:t>
-            </a:r>
-            <a:r>
-              <a:rPr lang="en-US" sz="2000" b="1">
+              <a:rPr lang="en-US" sz="2000" b="1" dirty="0">
                 <a:latin typeface="Arial" panose="020B0604020202020204" pitchFamily="34" charset="0"/>
                 <a:cs typeface="Arial" panose="020B0604020202020204" pitchFamily="34" charset="0"/>
               </a:rPr>
               <a:t> </a:t>
             </a:r>
-            <a:endParaRPr lang="en-US" sz="2000" b="1" dirty="0">
-              <a:latin typeface="Arial" panose="020B0604020202020204" pitchFamily="34" charset="0"/>
-              <a:cs typeface="Arial" panose="020B0604020202020204" pitchFamily="34" charset="0"/>
-            </a:endParaRPr>
           </a:p>
         </p:txBody>
       </p:sp>
@@ -6897,7 +7278,7 @@
           <p:nvPr/>
         </p:nvPicPr>
         <p:blipFill rotWithShape="1">
-          <a:blip r:embed="rId11" cstate="print">
+          <a:blip r:embed="rId10" cstate="print">
             <a:extLst>
               <a:ext uri="{28A0092B-C50C-407E-A947-70E740481C1C}">
                 <a14:useLocalDpi xmlns:a14="http://schemas.microsoft.com/office/drawing/2010/main" val="0"/>
@@ -7062,7 +7443,7 @@
           <p:nvPr/>
         </p:nvPicPr>
         <p:blipFill>
-          <a:blip r:embed="rId12">
+          <a:blip r:embed="rId11">
             <a:extLst>
               <a:ext uri="{28A0092B-C50C-407E-A947-70E740481C1C}">
                 <a14:useLocalDpi xmlns:a14="http://schemas.microsoft.com/office/drawing/2010/main" val="0"/>
@@ -7109,7 +7490,7 @@
           <p:nvPr/>
         </p:nvPicPr>
         <p:blipFill>
-          <a:blip r:embed="rId12">
+          <a:blip r:embed="rId11">
             <a:extLst>
               <a:ext uri="{28A0092B-C50C-407E-A947-70E740481C1C}">
                 <a14:useLocalDpi xmlns:a14="http://schemas.microsoft.com/office/drawing/2010/main" val="0"/>
@@ -7156,7 +7537,7 @@
           <p:nvPr/>
         </p:nvPicPr>
         <p:blipFill>
-          <a:blip r:embed="rId12">
+          <a:blip r:embed="rId11">
             <a:extLst>
               <a:ext uri="{28A0092B-C50C-407E-A947-70E740481C1C}">
                 <a14:useLocalDpi xmlns:a14="http://schemas.microsoft.com/office/drawing/2010/main" val="0"/>
@@ -7203,7 +7584,7 @@
           <p:nvPr/>
         </p:nvPicPr>
         <p:blipFill>
-          <a:blip r:embed="rId13" cstate="print">
+          <a:blip r:embed="rId12" cstate="print">
             <a:extLst>
               <a:ext uri="{28A0092B-C50C-407E-A947-70E740481C1C}">
                 <a14:useLocalDpi xmlns:a14="http://schemas.microsoft.com/office/drawing/2010/main" val="0"/>
@@ -7371,7 +7752,7 @@
           <p:nvPr/>
         </p:nvPicPr>
         <p:blipFill>
-          <a:blip r:embed="rId12">
+          <a:blip r:embed="rId11">
             <a:extLst>
               <a:ext uri="{28A0092B-C50C-407E-A947-70E740481C1C}">
                 <a14:useLocalDpi xmlns:a14="http://schemas.microsoft.com/office/drawing/2010/main" val="0"/>
@@ -7418,7 +7799,7 @@
           <p:nvPr/>
         </p:nvPicPr>
         <p:blipFill>
-          <a:blip r:embed="rId12">
+          <a:blip r:embed="rId11">
             <a:extLst>
               <a:ext uri="{28A0092B-C50C-407E-A947-70E740481C1C}">
                 <a14:useLocalDpi xmlns:a14="http://schemas.microsoft.com/office/drawing/2010/main" val="0"/>
@@ -7465,7 +7846,7 @@
           <p:nvPr/>
         </p:nvPicPr>
         <p:blipFill>
-          <a:blip r:embed="rId14">
+          <a:blip r:embed="rId13">
             <a:extLst>
               <a:ext uri="{28A0092B-C50C-407E-A947-70E740481C1C}">
                 <a14:useLocalDpi xmlns:a14="http://schemas.microsoft.com/office/drawing/2010/main" val="0"/>
@@ -7572,7 +7953,7 @@
         <p:spPr>
           <a:xfrm>
             <a:off x="780370" y="949579"/>
-            <a:ext cx="1944763" cy="461665"/>
+            <a:ext cx="6048451" cy="461665"/>
           </a:xfrm>
           <a:prstGeom prst="rect">
             <a:avLst/>
@@ -7590,11 +7971,178 @@
                 <a:latin typeface="Arial" panose="020B0604020202020204" pitchFamily="34" charset="0"/>
                 <a:cs typeface="Arial" panose="020B0604020202020204" pitchFamily="34" charset="0"/>
               </a:rPr>
-              <a:t>The Internet</a:t>
+              <a:t>The Internet: Epoch time cycles / syntax</a:t>
             </a:r>
           </a:p>
         </p:txBody>
       </p:sp>
+      <p:pic>
+        <p:nvPicPr>
+          <p:cNvPr id="81" name="Picture 6" descr="SYNTAX DLSU (@syntaxdlsu) | Twitter">
+            <a:extLst>
+              <a:ext uri="{FF2B5EF4-FFF2-40B4-BE49-F238E27FC236}">
+                <a16:creationId xmlns:a16="http://schemas.microsoft.com/office/drawing/2014/main" id="{2A15A010-716E-4010-A030-154541FE7CC1}"/>
+              </a:ext>
+            </a:extLst>
+          </p:cNvPr>
+          <p:cNvPicPr>
+            <a:picLocks noChangeAspect="1" noChangeArrowheads="1"/>
+          </p:cNvPicPr>
+          <p:nvPr/>
+        </p:nvPicPr>
+        <p:blipFill>
+          <a:blip r:embed="rId11">
+            <a:extLst>
+              <a:ext uri="{28A0092B-C50C-407E-A947-70E740481C1C}">
+                <a14:useLocalDpi xmlns:a14="http://schemas.microsoft.com/office/drawing/2010/main" val="0"/>
+              </a:ext>
+            </a:extLst>
+          </a:blip>
+          <a:srcRect/>
+          <a:stretch>
+            <a:fillRect/>
+          </a:stretch>
+        </p:blipFill>
+        <p:spPr bwMode="auto">
+          <a:xfrm>
+            <a:off x="5979997" y="21339"/>
+            <a:ext cx="822128" cy="1015662"/>
+          </a:xfrm>
+          <a:prstGeom prst="rect">
+            <a:avLst/>
+          </a:prstGeom>
+          <a:noFill/>
+          <a:extLst>
+            <a:ext uri="{909E8E84-426E-40DD-AFC4-6F175D3DCCD1}">
+              <a14:hiddenFill xmlns:a14="http://schemas.microsoft.com/office/drawing/2010/main">
+                <a:solidFill>
+                  <a:srgbClr val="FFFFFF"/>
+                </a:solidFill>
+              </a14:hiddenFill>
+            </a:ext>
+          </a:extLst>
+        </p:spPr>
+      </p:pic>
+      <p:pic>
+        <p:nvPicPr>
+          <p:cNvPr id="82" name="Picture 1956" descr="w_01zlzi[1]">
+            <a:extLst>
+              <a:ext uri="{FF2B5EF4-FFF2-40B4-BE49-F238E27FC236}">
+                <a16:creationId xmlns:a16="http://schemas.microsoft.com/office/drawing/2014/main" id="{E0783BCF-C5DC-4922-919C-51A078C39130}"/>
+              </a:ext>
+            </a:extLst>
+          </p:cNvPr>
+          <p:cNvPicPr>
+            <a:picLocks noChangeAspect="1" noChangeArrowheads="1"/>
+          </p:cNvPicPr>
+          <p:nvPr/>
+        </p:nvPicPr>
+        <p:blipFill>
+          <a:blip r:embed="rId6" cstate="print">
+            <a:extLst>
+              <a:ext uri="{28A0092B-C50C-407E-A947-70E740481C1C}">
+                <a14:useLocalDpi xmlns:a14="http://schemas.microsoft.com/office/drawing/2010/main" val="0"/>
+              </a:ext>
+            </a:extLst>
+          </a:blip>
+          <a:srcRect/>
+          <a:stretch>
+            <a:fillRect/>
+          </a:stretch>
+        </p:blipFill>
+        <p:spPr bwMode="auto">
+          <a:xfrm>
+            <a:off x="63748" y="29163"/>
+            <a:ext cx="831580" cy="951636"/>
+          </a:xfrm>
+          <a:prstGeom prst="rect">
+            <a:avLst/>
+          </a:prstGeom>
+          <a:noFill/>
+          <a:ln>
+            <a:noFill/>
+          </a:ln>
+          <a:extLst>
+            <a:ext uri="{909E8E84-426E-40DD-AFC4-6F175D3DCCD1}">
+              <a14:hiddenFill xmlns:a14="http://schemas.microsoft.com/office/drawing/2010/main">
+                <a:solidFill>
+                  <a:srgbClr val="FFFFFF"/>
+                </a:solidFill>
+              </a14:hiddenFill>
+            </a:ext>
+            <a:ext uri="{91240B29-F687-4F45-9708-019B960494DF}">
+              <a14:hiddenLine xmlns:a14="http://schemas.microsoft.com/office/drawing/2010/main" w="9525">
+                <a:solidFill>
+                  <a:srgbClr val="000000"/>
+                </a:solidFill>
+                <a:miter lim="800000"/>
+                <a:headEnd/>
+                <a:tailEnd/>
+              </a14:hiddenLine>
+            </a:ext>
+          </a:extLst>
+        </p:spPr>
+      </p:pic>
+      <p:pic>
+        <p:nvPicPr>
+          <p:cNvPr id="86" name="Picture 163" descr="CryptoNotify">
+            <a:extLst>
+              <a:ext uri="{FF2B5EF4-FFF2-40B4-BE49-F238E27FC236}">
+                <a16:creationId xmlns:a16="http://schemas.microsoft.com/office/drawing/2014/main" id="{084C3A41-6738-4ACE-9791-D5E1F58E6301}"/>
+              </a:ext>
+            </a:extLst>
+          </p:cNvPr>
+          <p:cNvPicPr>
+            <a:picLocks noChangeAspect="1" noChangeArrowheads="1"/>
+          </p:cNvPicPr>
+          <p:nvPr/>
+        </p:nvPicPr>
+        <p:blipFill>
+          <a:blip r:embed="rId14">
+            <a:extLst>
+              <a:ext uri="{28A0092B-C50C-407E-A947-70E740481C1C}">
+                <a14:useLocalDpi xmlns:a14="http://schemas.microsoft.com/office/drawing/2010/main" val="0"/>
+              </a:ext>
+            </a:extLst>
+          </a:blip>
+          <a:srcRect/>
+          <a:stretch>
+            <a:fillRect/>
+          </a:stretch>
+        </p:blipFill>
+        <p:spPr bwMode="auto">
+          <a:xfrm>
+            <a:off x="5203868" y="2777349"/>
+            <a:ext cx="1080278" cy="1470798"/>
+          </a:xfrm>
+          <a:prstGeom prst="rect">
+            <a:avLst/>
+          </a:prstGeom>
+          <a:noFill/>
+          <a:ln>
+            <a:noFill/>
+          </a:ln>
+          <a:extLst>
+            <a:ext uri="{909E8E84-426E-40DD-AFC4-6F175D3DCCD1}">
+              <a14:hiddenFill xmlns:a14="http://schemas.microsoft.com/office/drawing/2010/main">
+                <a:solidFill>
+                  <a:srgbClr val="FFFFFF"/>
+                </a:solidFill>
+              </a14:hiddenFill>
+            </a:ext>
+            <a:ext uri="{91240B29-F687-4F45-9708-019B960494DF}">
+              <a14:hiddenLine xmlns:a14="http://schemas.microsoft.com/office/drawing/2010/main" w="9525">
+                <a:solidFill>
+                  <a:srgbClr val="000000"/>
+                </a:solidFill>
+                <a:miter lim="800000"/>
+                <a:headEnd/>
+                <a:tailEnd/>
+              </a14:hiddenLine>
+            </a:ext>
+          </a:extLst>
+        </p:spPr>
+      </p:pic>
     </p:spTree>
     <p:extLst>
       <p:ext uri="{BB962C8B-B14F-4D97-AF65-F5344CB8AC3E}">

--- a/Epoch_Time_Cycles_Syntax.pptx
+++ b/Epoch_Time_Cycles_Syntax.pptx
@@ -7,6 +7,7 @@
   <p:sldIdLst>
     <p:sldId id="256" r:id="rId2"/>
     <p:sldId id="257" r:id="rId3"/>
+    <p:sldId id="258" r:id="rId4"/>
   </p:sldIdLst>
   <p:sldSz cx="12192000" cy="6858000"/>
   <p:notesSz cx="6858000" cy="9144000"/>
@@ -260,7 +261,7 @@
           <a:p>
             <a:fld id="{AC4C6D6D-9434-4237-8651-B6B0C15B46C8}" type="datetimeFigureOut">
               <a:rPr lang="en-US" smtClean="0"/>
-              <a:t>10/1/2019</a:t>
+              <a:t>10/3/2019</a:t>
             </a:fld>
             <a:endParaRPr lang="en-US"/>
           </a:p>
@@ -458,7 +459,7 @@
           <a:p>
             <a:fld id="{AC4C6D6D-9434-4237-8651-B6B0C15B46C8}" type="datetimeFigureOut">
               <a:rPr lang="en-US" smtClean="0"/>
-              <a:t>10/1/2019</a:t>
+              <a:t>10/3/2019</a:t>
             </a:fld>
             <a:endParaRPr lang="en-US"/>
           </a:p>
@@ -666,7 +667,7 @@
           <a:p>
             <a:fld id="{AC4C6D6D-9434-4237-8651-B6B0C15B46C8}" type="datetimeFigureOut">
               <a:rPr lang="en-US" smtClean="0"/>
-              <a:t>10/1/2019</a:t>
+              <a:t>10/3/2019</a:t>
             </a:fld>
             <a:endParaRPr lang="en-US"/>
           </a:p>
@@ -864,7 +865,7 @@
           <a:p>
             <a:fld id="{AC4C6D6D-9434-4237-8651-B6B0C15B46C8}" type="datetimeFigureOut">
               <a:rPr lang="en-US" smtClean="0"/>
-              <a:t>10/1/2019</a:t>
+              <a:t>10/3/2019</a:t>
             </a:fld>
             <a:endParaRPr lang="en-US"/>
           </a:p>
@@ -1139,7 +1140,7 @@
           <a:p>
             <a:fld id="{AC4C6D6D-9434-4237-8651-B6B0C15B46C8}" type="datetimeFigureOut">
               <a:rPr lang="en-US" smtClean="0"/>
-              <a:t>10/1/2019</a:t>
+              <a:t>10/3/2019</a:t>
             </a:fld>
             <a:endParaRPr lang="en-US"/>
           </a:p>
@@ -1404,7 +1405,7 @@
           <a:p>
             <a:fld id="{AC4C6D6D-9434-4237-8651-B6B0C15B46C8}" type="datetimeFigureOut">
               <a:rPr lang="en-US" smtClean="0"/>
-              <a:t>10/1/2019</a:t>
+              <a:t>10/3/2019</a:t>
             </a:fld>
             <a:endParaRPr lang="en-US"/>
           </a:p>
@@ -1816,7 +1817,7 @@
           <a:p>
             <a:fld id="{AC4C6D6D-9434-4237-8651-B6B0C15B46C8}" type="datetimeFigureOut">
               <a:rPr lang="en-US" smtClean="0"/>
-              <a:t>10/1/2019</a:t>
+              <a:t>10/3/2019</a:t>
             </a:fld>
             <a:endParaRPr lang="en-US"/>
           </a:p>
@@ -1957,7 +1958,7 @@
           <a:p>
             <a:fld id="{AC4C6D6D-9434-4237-8651-B6B0C15B46C8}" type="datetimeFigureOut">
               <a:rPr lang="en-US" smtClean="0"/>
-              <a:t>10/1/2019</a:t>
+              <a:t>10/3/2019</a:t>
             </a:fld>
             <a:endParaRPr lang="en-US"/>
           </a:p>
@@ -2070,7 +2071,7 @@
           <a:p>
             <a:fld id="{AC4C6D6D-9434-4237-8651-B6B0C15B46C8}" type="datetimeFigureOut">
               <a:rPr lang="en-US" smtClean="0"/>
-              <a:t>10/1/2019</a:t>
+              <a:t>10/3/2019</a:t>
             </a:fld>
             <a:endParaRPr lang="en-US"/>
           </a:p>
@@ -2381,7 +2382,7 @@
           <a:p>
             <a:fld id="{AC4C6D6D-9434-4237-8651-B6B0C15B46C8}" type="datetimeFigureOut">
               <a:rPr lang="en-US" smtClean="0"/>
-              <a:t>10/1/2019</a:t>
+              <a:t>10/3/2019</a:t>
             </a:fld>
             <a:endParaRPr lang="en-US"/>
           </a:p>
@@ -2669,7 +2670,7 @@
           <a:p>
             <a:fld id="{AC4C6D6D-9434-4237-8651-B6B0C15B46C8}" type="datetimeFigureOut">
               <a:rPr lang="en-US" smtClean="0"/>
-              <a:t>10/1/2019</a:t>
+              <a:t>10/3/2019</a:t>
             </a:fld>
             <a:endParaRPr lang="en-US"/>
           </a:p>
@@ -2910,7 +2911,7 @@
           <a:p>
             <a:fld id="{AC4C6D6D-9434-4237-8651-B6B0C15B46C8}" type="datetimeFigureOut">
               <a:rPr lang="en-US" smtClean="0"/>
-              <a:t>10/1/2019</a:t>
+              <a:t>10/3/2019</a:t>
             </a:fld>
             <a:endParaRPr lang="en-US"/>
           </a:p>
@@ -3356,7 +3357,7 @@
           <a:lstStyle/>
           <a:p>
             <a:r>
-              <a:rPr lang="en-US" sz="4400" dirty="0">
+              <a:rPr lang="en-US" sz="4000" dirty="0">
                 <a:latin typeface="Times New Roman" panose="02020603050405020304" pitchFamily="18" charset="0"/>
                 <a:cs typeface="Times New Roman" panose="02020603050405020304" pitchFamily="18" charset="0"/>
               </a:rPr>
@@ -3398,7 +3399,7 @@
                 <a:latin typeface="Arial" panose="020B0604020202020204" pitchFamily="34" charset="0"/>
                 <a:cs typeface="Arial" panose="020B0604020202020204" pitchFamily="34" charset="0"/>
               </a:rPr>
-              <a:t>Key building blocks of the Net / Net of Money</a:t>
+              <a:t>Internet / Internet of Money building blocks</a:t>
             </a:r>
           </a:p>
         </p:txBody>
@@ -3431,8 +3432,8 @@
         </p:blipFill>
         <p:spPr>
           <a:xfrm>
-            <a:off x="7756254" y="3388660"/>
-            <a:ext cx="4338965" cy="3459814"/>
+            <a:off x="8128969" y="3403222"/>
+            <a:ext cx="3469149" cy="3353273"/>
           </a:xfrm>
           <a:prstGeom prst="rect">
             <a:avLst/>
@@ -3480,53 +3481,6 @@
           </a:ln>
         </p:spPr>
       </p:pic>
-      <p:sp>
-        <p:nvSpPr>
-          <p:cNvPr id="4" name="Rectangle 3">
-            <a:extLst>
-              <a:ext uri="{FF2B5EF4-FFF2-40B4-BE49-F238E27FC236}">
-                <a16:creationId xmlns:a16="http://schemas.microsoft.com/office/drawing/2014/main" id="{69CF6E58-A06D-405F-B496-F3D0DA5D3D57}"/>
-              </a:ext>
-            </a:extLst>
-          </p:cNvPr>
-          <p:cNvSpPr/>
-          <p:nvPr/>
-        </p:nvSpPr>
-        <p:spPr>
-          <a:xfrm>
-            <a:off x="-1" y="6267"/>
-            <a:ext cx="12192001" cy="6770599"/>
-          </a:xfrm>
-          <a:prstGeom prst="rect">
-            <a:avLst/>
-          </a:prstGeom>
-          <a:noFill/>
-        </p:spPr>
-        <p:style>
-          <a:lnRef idx="2">
-            <a:schemeClr val="accent1">
-              <a:shade val="50000"/>
-            </a:schemeClr>
-          </a:lnRef>
-          <a:fillRef idx="1">
-            <a:schemeClr val="accent1"/>
-          </a:fillRef>
-          <a:effectRef idx="0">
-            <a:schemeClr val="accent1"/>
-          </a:effectRef>
-          <a:fontRef idx="minor">
-            <a:schemeClr val="lt1"/>
-          </a:fontRef>
-        </p:style>
-        <p:txBody>
-          <a:bodyPr rtlCol="0" anchor="ctr"/>
-          <a:lstStyle/>
-          <a:p>
-            <a:pPr algn="ctr"/>
-            <a:endParaRPr lang="en-US"/>
-          </a:p>
-        </p:txBody>
-      </p:sp>
       <p:pic>
         <p:nvPicPr>
           <p:cNvPr id="8" name="Picture 210" descr="bitcoin-blockchain">
@@ -3556,8 +3510,8 @@
         </p:blipFill>
         <p:spPr bwMode="auto">
           <a:xfrm>
-            <a:off x="3805519" y="1832031"/>
-            <a:ext cx="3915366" cy="1072534"/>
+            <a:off x="4850295" y="1730983"/>
+            <a:ext cx="2870589" cy="1173582"/>
           </a:xfrm>
           <a:prstGeom prst="rect">
             <a:avLst/>
@@ -3589,51 +3543,6 @@
       </p:pic>
       <p:pic>
         <p:nvPicPr>
-          <p:cNvPr id="2050" name="Picture 2" descr="Bitcoin Protocol Explained - Timestamp Server / Global Ledger - YouTube">
-            <a:extLst>
-              <a:ext uri="{FF2B5EF4-FFF2-40B4-BE49-F238E27FC236}">
-                <a16:creationId xmlns:a16="http://schemas.microsoft.com/office/drawing/2014/main" id="{E53BDEA9-1E9C-4B0F-B22E-6D286DFC2729}"/>
-              </a:ext>
-            </a:extLst>
-          </p:cNvPr>
-          <p:cNvPicPr>
-            <a:picLocks noChangeAspect="1" noChangeArrowheads="1"/>
-          </p:cNvPicPr>
-          <p:nvPr/>
-        </p:nvPicPr>
-        <p:blipFill rotWithShape="1">
-          <a:blip r:embed="rId5">
-            <a:extLst>
-              <a:ext uri="{28A0092B-C50C-407E-A947-70E740481C1C}">
-                <a14:useLocalDpi xmlns:a14="http://schemas.microsoft.com/office/drawing/2010/main" val="0"/>
-              </a:ext>
-            </a:extLst>
-          </a:blip>
-          <a:srcRect l="7941" r="8199" b="16275"/>
-          <a:stretch/>
-        </p:blipFill>
-        <p:spPr bwMode="auto">
-          <a:xfrm>
-            <a:off x="132150" y="5481918"/>
-            <a:ext cx="2305836" cy="1294948"/>
-          </a:xfrm>
-          <a:prstGeom prst="rect">
-            <a:avLst/>
-          </a:prstGeom>
-          <a:noFill/>
-          <a:extLst>
-            <a:ext uri="{909E8E84-426E-40DD-AFC4-6F175D3DCCD1}">
-              <a14:hiddenFill xmlns:a14="http://schemas.microsoft.com/office/drawing/2010/main">
-                <a:solidFill>
-                  <a:srgbClr val="FFFFFF"/>
-                </a:solidFill>
-              </a14:hiddenFill>
-            </a:ext>
-          </a:extLst>
-        </p:spPr>
-      </p:pic>
-      <p:pic>
-        <p:nvPicPr>
           <p:cNvPr id="10" name="Picture 1956" descr="w_01zlzi[1]">
             <a:extLst>
               <a:ext uri="{FF2B5EF4-FFF2-40B4-BE49-F238E27FC236}">
@@ -3647,7 +3556,7 @@
           <p:nvPr/>
         </p:nvPicPr>
         <p:blipFill>
-          <a:blip r:embed="rId6" cstate="print">
+          <a:blip r:embed="rId5" cstate="print">
             <a:extLst>
               <a:ext uri="{28A0092B-C50C-407E-A947-70E740481C1C}">
                 <a14:useLocalDpi xmlns:a14="http://schemas.microsoft.com/office/drawing/2010/main" val="0"/>
@@ -3661,7 +3570,7 @@
         </p:blipFill>
         <p:spPr bwMode="auto">
           <a:xfrm>
-            <a:off x="2356250" y="5888711"/>
+            <a:off x="6796608" y="5249570"/>
             <a:ext cx="814145" cy="888156"/>
           </a:xfrm>
           <a:prstGeom prst="rect">
@@ -3694,10 +3603,10 @@
       </p:pic>
       <p:pic>
         <p:nvPicPr>
-          <p:cNvPr id="12" name="Picture 314" descr="rgfiahjg[1]">
-            <a:extLst>
-              <a:ext uri="{FF2B5EF4-FFF2-40B4-BE49-F238E27FC236}">
-                <a16:creationId xmlns:a16="http://schemas.microsoft.com/office/drawing/2014/main" id="{9CF2F5AA-7C4F-415D-A831-092546D97B7A}"/>
+          <p:cNvPr id="13" name="Picture 1956" descr="w_01zlzi[1]">
+            <a:extLst>
+              <a:ext uri="{FF2B5EF4-FFF2-40B4-BE49-F238E27FC236}">
+                <a16:creationId xmlns:a16="http://schemas.microsoft.com/office/drawing/2014/main" id="{DACA2320-D58C-4083-B85F-2F7F7185D96F}"/>
               </a:ext>
             </a:extLst>
           </p:cNvPr>
@@ -3707,7 +3616,7 @@
           <p:nvPr/>
         </p:nvPicPr>
         <p:blipFill>
-          <a:blip r:embed="rId7" cstate="print">
+          <a:blip r:embed="rId5" cstate="print">
             <a:extLst>
               <a:ext uri="{28A0092B-C50C-407E-A947-70E740481C1C}">
                 <a14:useLocalDpi xmlns:a14="http://schemas.microsoft.com/office/drawing/2010/main" val="0"/>
@@ -3721,8 +3630,8 @@
         </p:blipFill>
         <p:spPr bwMode="auto">
           <a:xfrm>
-            <a:off x="2534767" y="5060577"/>
-            <a:ext cx="496793" cy="502024"/>
+            <a:off x="-1" y="31805"/>
+            <a:ext cx="954157" cy="874645"/>
           </a:xfrm>
           <a:prstGeom prst="rect">
             <a:avLst/>
@@ -3754,10 +3663,10 @@
       </p:pic>
       <p:pic>
         <p:nvPicPr>
-          <p:cNvPr id="13" name="Picture 1956" descr="w_01zlzi[1]">
-            <a:extLst>
-              <a:ext uri="{FF2B5EF4-FFF2-40B4-BE49-F238E27FC236}">
-                <a16:creationId xmlns:a16="http://schemas.microsoft.com/office/drawing/2014/main" id="{DACA2320-D58C-4083-B85F-2F7F7185D96F}"/>
+          <p:cNvPr id="15" name="Picture 6" descr="SYNTAX DLSU (@syntaxdlsu) | Twitter">
+            <a:extLst>
+              <a:ext uri="{FF2B5EF4-FFF2-40B4-BE49-F238E27FC236}">
+                <a16:creationId xmlns:a16="http://schemas.microsoft.com/office/drawing/2014/main" id="{C255DFF8-9E8C-4EAD-AB72-9B096074D552}"/>
               </a:ext>
             </a:extLst>
           </p:cNvPr>
@@ -3767,7 +3676,7 @@
           <p:nvPr/>
         </p:nvPicPr>
         <p:blipFill>
-          <a:blip r:embed="rId6" cstate="print">
+          <a:blip r:embed="rId6">
             <a:extLst>
               <a:ext uri="{28A0092B-C50C-407E-A947-70E740481C1C}">
                 <a14:useLocalDpi xmlns:a14="http://schemas.microsoft.com/office/drawing/2010/main" val="0"/>
@@ -3781,8 +3690,55 @@
         </p:blipFill>
         <p:spPr bwMode="auto">
           <a:xfrm>
-            <a:off x="0" y="122917"/>
-            <a:ext cx="688548" cy="751141"/>
+            <a:off x="6679097" y="1"/>
+            <a:ext cx="1020302" cy="1175144"/>
+          </a:xfrm>
+          <a:prstGeom prst="rect">
+            <a:avLst/>
+          </a:prstGeom>
+          <a:noFill/>
+          <a:extLst>
+            <a:ext uri="{909E8E84-426E-40DD-AFC4-6F175D3DCCD1}">
+              <a14:hiddenFill xmlns:a14="http://schemas.microsoft.com/office/drawing/2010/main">
+                <a:solidFill>
+                  <a:srgbClr val="FFFFFF"/>
+                </a:solidFill>
+              </a14:hiddenFill>
+            </a:ext>
+          </a:extLst>
+        </p:spPr>
+      </p:pic>
+      <p:pic>
+        <p:nvPicPr>
+          <p:cNvPr id="16" name="Picture 163" descr="CryptoNotify">
+            <a:extLst>
+              <a:ext uri="{FF2B5EF4-FFF2-40B4-BE49-F238E27FC236}">
+                <a16:creationId xmlns:a16="http://schemas.microsoft.com/office/drawing/2014/main" id="{ED96E736-6E84-4099-B629-677912E2F10D}"/>
+              </a:ext>
+            </a:extLst>
+          </p:cNvPr>
+          <p:cNvPicPr>
+            <a:picLocks noChangeAspect="1" noChangeArrowheads="1"/>
+          </p:cNvPicPr>
+          <p:nvPr/>
+        </p:nvPicPr>
+        <p:blipFill>
+          <a:blip r:embed="rId7">
+            <a:extLst>
+              <a:ext uri="{28A0092B-C50C-407E-A947-70E740481C1C}">
+                <a14:useLocalDpi xmlns:a14="http://schemas.microsoft.com/office/drawing/2010/main" val="0"/>
+              </a:ext>
+            </a:extLst>
+          </a:blip>
+          <a:srcRect/>
+          <a:stretch>
+            <a:fillRect/>
+          </a:stretch>
+        </p:blipFill>
+        <p:spPr bwMode="auto">
+          <a:xfrm>
+            <a:off x="3858008" y="1730983"/>
+            <a:ext cx="929536" cy="1185173"/>
           </a:xfrm>
           <a:prstGeom prst="rect">
             <a:avLst/>
@@ -3814,10 +3770,46 @@
       </p:pic>
       <p:pic>
         <p:nvPicPr>
-          <p:cNvPr id="15" name="Picture 6" descr="SYNTAX DLSU (@syntaxdlsu) | Twitter">
-            <a:extLst>
-              <a:ext uri="{FF2B5EF4-FFF2-40B4-BE49-F238E27FC236}">
-                <a16:creationId xmlns:a16="http://schemas.microsoft.com/office/drawing/2014/main" id="{C255DFF8-9E8C-4EAD-AB72-9B096074D552}"/>
+          <p:cNvPr id="11" name="Picture 10" descr="A close up of a map&#10;&#10;Description automatically generated">
+            <a:extLst>
+              <a:ext uri="{FF2B5EF4-FFF2-40B4-BE49-F238E27FC236}">
+                <a16:creationId xmlns:a16="http://schemas.microsoft.com/office/drawing/2014/main" id="{EE2E40FD-B463-471C-80EE-464347E47B05}"/>
+              </a:ext>
+            </a:extLst>
+          </p:cNvPr>
+          <p:cNvPicPr>
+            <a:picLocks noChangeAspect="1"/>
+          </p:cNvPicPr>
+          <p:nvPr/>
+        </p:nvPicPr>
+        <p:blipFill>
+          <a:blip r:embed="rId8">
+            <a:extLst>
+              <a:ext uri="{28A0092B-C50C-407E-A947-70E740481C1C}">
+                <a14:useLocalDpi xmlns:a14="http://schemas.microsoft.com/office/drawing/2010/main" val="0"/>
+              </a:ext>
+            </a:extLst>
+          </a:blip>
+          <a:stretch>
+            <a:fillRect/>
+          </a:stretch>
+        </p:blipFill>
+        <p:spPr>
+          <a:xfrm>
+            <a:off x="7720883" y="0"/>
+            <a:ext cx="4508065" cy="3477744"/>
+          </a:xfrm>
+          <a:prstGeom prst="rect">
+            <a:avLst/>
+          </a:prstGeom>
+        </p:spPr>
+      </p:pic>
+      <p:pic>
+        <p:nvPicPr>
+          <p:cNvPr id="17" name="Picture 4" descr="Task">
+            <a:extLst>
+              <a:ext uri="{FF2B5EF4-FFF2-40B4-BE49-F238E27FC236}">
+                <a16:creationId xmlns:a16="http://schemas.microsoft.com/office/drawing/2014/main" id="{90686545-7AFA-4E62-B6CD-95516E112A87}"/>
               </a:ext>
             </a:extLst>
           </p:cNvPr>
@@ -3827,7 +3819,7 @@
           <p:nvPr/>
         </p:nvPicPr>
         <p:blipFill>
-          <a:blip r:embed="rId8">
+          <a:blip r:embed="rId9">
             <a:extLst>
               <a:ext uri="{28A0092B-C50C-407E-A947-70E740481C1C}">
                 <a14:useLocalDpi xmlns:a14="http://schemas.microsoft.com/office/drawing/2010/main" val="0"/>
@@ -3841,8 +3833,89 @@
         </p:blipFill>
         <p:spPr bwMode="auto">
           <a:xfrm>
-            <a:off x="6965575" y="44263"/>
-            <a:ext cx="733823" cy="1112001"/>
+            <a:off x="3416886" y="3953436"/>
+            <a:ext cx="681139" cy="644602"/>
+          </a:xfrm>
+          <a:prstGeom prst="rect">
+            <a:avLst/>
+          </a:prstGeom>
+          <a:solidFill>
+            <a:schemeClr val="accent1"/>
+          </a:solidFill>
+        </p:spPr>
+      </p:pic>
+      <p:sp>
+        <p:nvSpPr>
+          <p:cNvPr id="5" name="TextBox 4">
+            <a:extLst>
+              <a:ext uri="{FF2B5EF4-FFF2-40B4-BE49-F238E27FC236}">
+                <a16:creationId xmlns:a16="http://schemas.microsoft.com/office/drawing/2014/main" id="{AF066555-E4A5-417F-A5E4-3DAD2354F74E}"/>
+              </a:ext>
+            </a:extLst>
+          </p:cNvPr>
+          <p:cNvSpPr txBox="1"/>
+          <p:nvPr/>
+        </p:nvSpPr>
+        <p:spPr>
+          <a:xfrm>
+            <a:off x="4059140" y="4055165"/>
+            <a:ext cx="1016625" cy="646331"/>
+          </a:xfrm>
+          <a:prstGeom prst="rect">
+            <a:avLst/>
+          </a:prstGeom>
+          <a:noFill/>
+        </p:spPr>
+        <p:txBody>
+          <a:bodyPr wrap="none" rtlCol="0">
+            <a:spAutoFit/>
+          </a:bodyPr>
+          <a:lstStyle/>
+          <a:p>
+            <a:r>
+              <a:rPr lang="en-US" b="1" dirty="0"/>
+              <a:t>Time</a:t>
+            </a:r>
+          </a:p>
+          <a:p>
+            <a:r>
+              <a:rPr lang="en-US" b="1" dirty="0"/>
+              <a:t>Function</a:t>
+            </a:r>
+          </a:p>
+        </p:txBody>
+      </p:sp>
+      <p:pic>
+        <p:nvPicPr>
+          <p:cNvPr id="18" name="Picture 6" descr="SYNTAX DLSU (@syntaxdlsu) | Twitter">
+            <a:extLst>
+              <a:ext uri="{FF2B5EF4-FFF2-40B4-BE49-F238E27FC236}">
+                <a16:creationId xmlns:a16="http://schemas.microsoft.com/office/drawing/2014/main" id="{FFDEB14F-4CFE-446B-B07A-2BC997262230}"/>
+              </a:ext>
+            </a:extLst>
+          </p:cNvPr>
+          <p:cNvPicPr>
+            <a:picLocks noChangeAspect="1" noChangeArrowheads="1"/>
+          </p:cNvPicPr>
+          <p:nvPr/>
+        </p:nvPicPr>
+        <p:blipFill>
+          <a:blip r:embed="rId6">
+            <a:extLst>
+              <a:ext uri="{28A0092B-C50C-407E-A947-70E740481C1C}">
+                <a14:useLocalDpi xmlns:a14="http://schemas.microsoft.com/office/drawing/2010/main" val="0"/>
+              </a:ext>
+            </a:extLst>
+          </a:blip>
+          <a:srcRect/>
+          <a:stretch>
+            <a:fillRect/>
+          </a:stretch>
+        </p:blipFill>
+        <p:spPr bwMode="auto">
+          <a:xfrm>
+            <a:off x="7752522" y="3953436"/>
+            <a:ext cx="1033669" cy="1163683"/>
           </a:xfrm>
           <a:prstGeom prst="rect">
             <a:avLst/>
@@ -3861,10 +3934,10 @@
       </p:pic>
       <p:pic>
         <p:nvPicPr>
-          <p:cNvPr id="16" name="Picture 163" descr="CryptoNotify">
-            <a:extLst>
-              <a:ext uri="{FF2B5EF4-FFF2-40B4-BE49-F238E27FC236}">
-                <a16:creationId xmlns:a16="http://schemas.microsoft.com/office/drawing/2014/main" id="{ED96E736-6E84-4099-B629-677912E2F10D}"/>
+          <p:cNvPr id="20" name="Picture 269" descr="th?id=HN">
+            <a:extLst>
+              <a:ext uri="{FF2B5EF4-FFF2-40B4-BE49-F238E27FC236}">
+                <a16:creationId xmlns:a16="http://schemas.microsoft.com/office/drawing/2014/main" id="{7D2A48CA-9207-400D-922A-6D1B9F98C9D5}"/>
               </a:ext>
             </a:extLst>
           </p:cNvPr>
@@ -3874,7 +3947,7 @@
           <p:nvPr/>
         </p:nvPicPr>
         <p:blipFill>
-          <a:blip r:embed="rId9">
+          <a:blip r:embed="rId10" cstate="print">
             <a:extLst>
               <a:ext uri="{28A0092B-C50C-407E-A947-70E740481C1C}">
                 <a14:useLocalDpi xmlns:a14="http://schemas.microsoft.com/office/drawing/2010/main" val="0"/>
@@ -3888,8 +3961,8 @@
         </p:blipFill>
         <p:spPr bwMode="auto">
           <a:xfrm>
-            <a:off x="3137289" y="2299447"/>
-            <a:ext cx="766839" cy="1129553"/>
+            <a:off x="11103510" y="3507089"/>
+            <a:ext cx="1088490" cy="1742481"/>
           </a:xfrm>
           <a:prstGeom prst="rect">
             <a:avLst/>
@@ -3919,12 +3992,234 @@
           </a:extLst>
         </p:spPr>
       </p:pic>
+      <p:sp>
+        <p:nvSpPr>
+          <p:cNvPr id="14" name="TextBox 13">
+            <a:extLst>
+              <a:ext uri="{FF2B5EF4-FFF2-40B4-BE49-F238E27FC236}">
+                <a16:creationId xmlns:a16="http://schemas.microsoft.com/office/drawing/2014/main" id="{36C415D6-3791-4D34-9B15-0FB7292C62BE}"/>
+              </a:ext>
+            </a:extLst>
+          </p:cNvPr>
+          <p:cNvSpPr txBox="1"/>
+          <p:nvPr/>
+        </p:nvSpPr>
+        <p:spPr>
+          <a:xfrm>
+            <a:off x="11040990" y="3674708"/>
+            <a:ext cx="1187761" cy="1846659"/>
+          </a:xfrm>
+          <a:prstGeom prst="rect">
+            <a:avLst/>
+          </a:prstGeom>
+          <a:noFill/>
+        </p:spPr>
+        <p:txBody>
+          <a:bodyPr wrap="none" rtlCol="0">
+            <a:spAutoFit/>
+          </a:bodyPr>
+          <a:lstStyle/>
+          <a:p>
+            <a:r>
+              <a:rPr lang="en-US" sz="1600" dirty="0"/>
+              <a:t>OPSCODE</a:t>
+            </a:r>
+          </a:p>
+          <a:p>
+            <a:r>
+              <a:rPr lang="en-US" sz="1600" dirty="0"/>
+              <a:t>Brevity</a:t>
+            </a:r>
+          </a:p>
+          <a:p>
+            <a:r>
+              <a:rPr lang="en-US" sz="1600" dirty="0"/>
+              <a:t>Codes  </a:t>
+            </a:r>
+          </a:p>
+          <a:p>
+            <a:r>
+              <a:rPr lang="en-US" sz="1600" dirty="0"/>
+              <a:t>Mapped</a:t>
+            </a:r>
+          </a:p>
+          <a:p>
+            <a:r>
+              <a:rPr lang="en-US" sz="1600" dirty="0"/>
+              <a:t>To </a:t>
+            </a:r>
+          </a:p>
+          <a:p>
+            <a:r>
+              <a:rPr lang="en-US" sz="1600" dirty="0"/>
+              <a:t>Symbol Sets</a:t>
+            </a:r>
+          </a:p>
+          <a:p>
+            <a:endParaRPr lang="en-US" dirty="0"/>
+          </a:p>
+        </p:txBody>
+      </p:sp>
       <p:pic>
         <p:nvPicPr>
-          <p:cNvPr id="11" name="Picture 10" descr="A close up of a map&#10;&#10;Description automatically generated">
-            <a:extLst>
-              <a:ext uri="{FF2B5EF4-FFF2-40B4-BE49-F238E27FC236}">
-                <a16:creationId xmlns:a16="http://schemas.microsoft.com/office/drawing/2014/main" id="{EE2E40FD-B463-471C-80EE-464347E47B05}"/>
+          <p:cNvPr id="1026" name="Picture 2" descr="Blockchain Tech Used for Nanosecond Timestamp Stock Trades">
+            <a:extLst>
+              <a:ext uri="{FF2B5EF4-FFF2-40B4-BE49-F238E27FC236}">
+                <a16:creationId xmlns:a16="http://schemas.microsoft.com/office/drawing/2014/main" id="{104055F8-0456-4317-9588-7DB0068B6518}"/>
+              </a:ext>
+            </a:extLst>
+          </p:cNvPr>
+          <p:cNvPicPr>
+            <a:picLocks noChangeAspect="1" noChangeArrowheads="1"/>
+          </p:cNvPicPr>
+          <p:nvPr/>
+        </p:nvPicPr>
+        <p:blipFill>
+          <a:blip r:embed="rId11">
+            <a:extLst>
+              <a:ext uri="{28A0092B-C50C-407E-A947-70E740481C1C}">
+                <a14:useLocalDpi xmlns:a14="http://schemas.microsoft.com/office/drawing/2010/main" val="0"/>
+              </a:ext>
+            </a:extLst>
+          </a:blip>
+          <a:srcRect/>
+          <a:stretch>
+            <a:fillRect/>
+          </a:stretch>
+        </p:blipFill>
+        <p:spPr bwMode="auto">
+          <a:xfrm>
+            <a:off x="92971" y="5319423"/>
+            <a:ext cx="3047793" cy="1362549"/>
+          </a:xfrm>
+          <a:prstGeom prst="rect">
+            <a:avLst/>
+          </a:prstGeom>
+          <a:noFill/>
+          <a:extLst>
+            <a:ext uri="{909E8E84-426E-40DD-AFC4-6F175D3DCCD1}">
+              <a14:hiddenFill xmlns:a14="http://schemas.microsoft.com/office/drawing/2010/main">
+                <a:solidFill>
+                  <a:srgbClr val="FFFFFF"/>
+                </a:solidFill>
+              </a14:hiddenFill>
+            </a:ext>
+          </a:extLst>
+        </p:spPr>
+      </p:pic>
+      <p:pic>
+        <p:nvPicPr>
+          <p:cNvPr id="23" name="Picture 1956" descr="w_01zlzi[1]">
+            <a:extLst>
+              <a:ext uri="{FF2B5EF4-FFF2-40B4-BE49-F238E27FC236}">
+                <a16:creationId xmlns:a16="http://schemas.microsoft.com/office/drawing/2014/main" id="{CD92BCC6-755A-42F7-BAD5-B078601D4B8C}"/>
+              </a:ext>
+            </a:extLst>
+          </p:cNvPr>
+          <p:cNvPicPr>
+            <a:picLocks noChangeAspect="1" noChangeArrowheads="1"/>
+          </p:cNvPicPr>
+          <p:nvPr/>
+        </p:nvPicPr>
+        <p:blipFill>
+          <a:blip r:embed="rId5" cstate="print">
+            <a:extLst>
+              <a:ext uri="{28A0092B-C50C-407E-A947-70E740481C1C}">
+                <a14:useLocalDpi xmlns:a14="http://schemas.microsoft.com/office/drawing/2010/main" val="0"/>
+              </a:ext>
+            </a:extLst>
+          </a:blip>
+          <a:srcRect/>
+          <a:stretch>
+            <a:fillRect/>
+          </a:stretch>
+        </p:blipFill>
+        <p:spPr bwMode="auto">
+          <a:xfrm>
+            <a:off x="2256897" y="4731027"/>
+            <a:ext cx="673692" cy="617552"/>
+          </a:xfrm>
+          <a:prstGeom prst="rect">
+            <a:avLst/>
+          </a:prstGeom>
+          <a:noFill/>
+          <a:ln>
+            <a:noFill/>
+          </a:ln>
+          <a:extLst>
+            <a:ext uri="{909E8E84-426E-40DD-AFC4-6F175D3DCCD1}">
+              <a14:hiddenFill xmlns:a14="http://schemas.microsoft.com/office/drawing/2010/main">
+                <a:solidFill>
+                  <a:srgbClr val="FFFFFF"/>
+                </a:solidFill>
+              </a14:hiddenFill>
+            </a:ext>
+            <a:ext uri="{91240B29-F687-4F45-9708-019B960494DF}">
+              <a14:hiddenLine xmlns:a14="http://schemas.microsoft.com/office/drawing/2010/main" w="9525">
+                <a:solidFill>
+                  <a:srgbClr val="000000"/>
+                </a:solidFill>
+                <a:miter lim="800000"/>
+                <a:headEnd/>
+                <a:tailEnd/>
+              </a14:hiddenLine>
+            </a:ext>
+          </a:extLst>
+        </p:spPr>
+      </p:pic>
+      <p:pic>
+        <p:nvPicPr>
+          <p:cNvPr id="24" name="Picture 2" descr="http://etc.usf.edu/clipart/7500/7548/confucius_7548_lg.gif">
+            <a:extLst>
+              <a:ext uri="{FF2B5EF4-FFF2-40B4-BE49-F238E27FC236}">
+                <a16:creationId xmlns:a16="http://schemas.microsoft.com/office/drawing/2014/main" id="{E79768D0-7378-4A4C-BC2F-06D7D480BE40}"/>
+              </a:ext>
+            </a:extLst>
+          </p:cNvPr>
+          <p:cNvPicPr>
+            <a:picLocks noChangeAspect="1" noChangeArrowheads="1"/>
+          </p:cNvPicPr>
+          <p:nvPr/>
+        </p:nvPicPr>
+        <p:blipFill>
+          <a:blip r:embed="rId12" cstate="print">
+            <a:extLst>
+              <a:ext uri="{28A0092B-C50C-407E-A947-70E740481C1C}">
+                <a14:useLocalDpi xmlns:a14="http://schemas.microsoft.com/office/drawing/2010/main" val="0"/>
+              </a:ext>
+            </a:extLst>
+          </a:blip>
+          <a:srcRect/>
+          <a:stretch>
+            <a:fillRect/>
+          </a:stretch>
+        </p:blipFill>
+        <p:spPr bwMode="auto">
+          <a:xfrm>
+            <a:off x="11826573" y="4451468"/>
+            <a:ext cx="342687" cy="549902"/>
+          </a:xfrm>
+          <a:prstGeom prst="rect">
+            <a:avLst/>
+          </a:prstGeom>
+          <a:noFill/>
+          <a:extLst>
+            <a:ext uri="{909E8E84-426E-40DD-AFC4-6F175D3DCCD1}">
+              <a14:hiddenFill xmlns:a14="http://schemas.microsoft.com/office/drawing/2010/main">
+                <a:solidFill>
+                  <a:srgbClr val="FFFFFF"/>
+                </a:solidFill>
+              </a14:hiddenFill>
+            </a:ext>
+          </a:extLst>
+        </p:spPr>
+      </p:pic>
+      <p:pic>
+        <p:nvPicPr>
+          <p:cNvPr id="26" name="Picture 25">
+            <a:extLst>
+              <a:ext uri="{FF2B5EF4-FFF2-40B4-BE49-F238E27FC236}">
+                <a16:creationId xmlns:a16="http://schemas.microsoft.com/office/drawing/2014/main" id="{57AF1856-994E-454C-82AD-CE2380D12F8E}"/>
               </a:ext>
             </a:extLst>
           </p:cNvPr>
@@ -3933,28 +4228,97 @@
           </p:cNvPicPr>
           <p:nvPr/>
         </p:nvPicPr>
-        <p:blipFill>
-          <a:blip r:embed="rId10">
+        <p:blipFill rotWithShape="1">
+          <a:blip r:embed="rId13" cstate="print">
             <a:extLst>
               <a:ext uri="{28A0092B-C50C-407E-A947-70E740481C1C}">
                 <a14:useLocalDpi xmlns:a14="http://schemas.microsoft.com/office/drawing/2010/main" val="0"/>
               </a:ext>
             </a:extLst>
           </a:blip>
-          <a:stretch>
-            <a:fillRect/>
-          </a:stretch>
+          <a:srcRect l="17197" t="5200" r="7177"/>
+          <a:stretch/>
         </p:blipFill>
         <p:spPr>
           <a:xfrm>
-            <a:off x="7682753" y="0"/>
-            <a:ext cx="4546196" cy="3477744"/>
+            <a:off x="11698379" y="4125462"/>
+            <a:ext cx="470881" cy="326006"/>
           </a:xfrm>
           <a:prstGeom prst="rect">
             <a:avLst/>
           </a:prstGeom>
         </p:spPr>
       </p:pic>
+      <p:sp>
+        <p:nvSpPr>
+          <p:cNvPr id="21" name="TextBox 20">
+            <a:extLst>
+              <a:ext uri="{FF2B5EF4-FFF2-40B4-BE49-F238E27FC236}">
+                <a16:creationId xmlns:a16="http://schemas.microsoft.com/office/drawing/2014/main" id="{ACD7707C-F9A8-4AC5-8619-34D6D3A96952}"/>
+              </a:ext>
+            </a:extLst>
+          </p:cNvPr>
+          <p:cNvSpPr txBox="1"/>
+          <p:nvPr/>
+        </p:nvSpPr>
+        <p:spPr>
+          <a:xfrm>
+            <a:off x="11891058" y="4062181"/>
+            <a:ext cx="319318" cy="276999"/>
+          </a:xfrm>
+          <a:prstGeom prst="rect">
+            <a:avLst/>
+          </a:prstGeom>
+          <a:noFill/>
+        </p:spPr>
+        <p:txBody>
+          <a:bodyPr wrap="none" rtlCol="0">
+            <a:spAutoFit/>
+          </a:bodyPr>
+          <a:lstStyle/>
+          <a:p>
+            <a:r>
+              <a:rPr lang="en-US" sz="1200" b="1" dirty="0"/>
+              <a:t>AI</a:t>
+            </a:r>
+          </a:p>
+        </p:txBody>
+      </p:sp>
+      <p:sp>
+        <p:nvSpPr>
+          <p:cNvPr id="22" name="TextBox 21">
+            <a:extLst>
+              <a:ext uri="{FF2B5EF4-FFF2-40B4-BE49-F238E27FC236}">
+                <a16:creationId xmlns:a16="http://schemas.microsoft.com/office/drawing/2014/main" id="{158DC939-2573-4F8C-8434-E135C414A5D3}"/>
+              </a:ext>
+            </a:extLst>
+          </p:cNvPr>
+          <p:cNvSpPr txBox="1"/>
+          <p:nvPr/>
+        </p:nvSpPr>
+        <p:spPr>
+          <a:xfrm>
+            <a:off x="3073180" y="6078772"/>
+            <a:ext cx="3684598" cy="369332"/>
+          </a:xfrm>
+          <a:prstGeom prst="rect">
+            <a:avLst/>
+          </a:prstGeom>
+          <a:noFill/>
+        </p:spPr>
+        <p:txBody>
+          <a:bodyPr wrap="none" rtlCol="0">
+            <a:spAutoFit/>
+          </a:bodyPr>
+          <a:lstStyle/>
+          <a:p>
+            <a:r>
+              <a:rPr lang="en-US" dirty="0"/>
+              <a:t>GENESIS TIME STAMP / Genesis Block</a:t>
+            </a:r>
+          </a:p>
+        </p:txBody>
+      </p:sp>
     </p:spTree>
     <p:extLst>
       <p:ext uri="{BB962C8B-B14F-4D97-AF65-F5344CB8AC3E}">
@@ -4375,8 +4739,8 @@
         </p:nvSpPr>
         <p:spPr>
           <a:xfrm>
-            <a:off x="6741438" y="1986684"/>
-            <a:ext cx="4690130" cy="307777"/>
+            <a:off x="7103611" y="1967144"/>
+            <a:ext cx="4204036" cy="369332"/>
           </a:xfrm>
           <a:prstGeom prst="rect">
             <a:avLst/>
@@ -4390,12 +4754,12 @@
           <a:lstStyle/>
           <a:p>
             <a:r>
-              <a:rPr lang="en-US" sz="1400" b="1" dirty="0">
+              <a:rPr lang="en-US" b="1" dirty="0">
                 <a:solidFill>
                   <a:schemeClr val="tx2"/>
                 </a:solidFill>
               </a:rPr>
-              <a:t>BLOCKCHAIN Programmable Money CLOCK CYCLES / EPOCHS</a:t>
+              <a:t>COMPUTER CLOCK CYCLES / TIME EPOCHS</a:t>
             </a:r>
           </a:p>
         </p:txBody>
@@ -5036,8 +5400,8 @@
         </p:nvSpPr>
         <p:spPr>
           <a:xfrm>
-            <a:off x="-39386" y="6101362"/>
-            <a:ext cx="7391767" cy="677108"/>
+            <a:off x="579410" y="6111129"/>
+            <a:ext cx="8183651" cy="769441"/>
           </a:xfrm>
           <a:prstGeom prst="rect">
             <a:avLst/>
@@ -5051,7 +5415,7 @@
           <a:lstStyle/>
           <a:p>
             <a:r>
-              <a:rPr lang="en-US" b="1" dirty="0">
+              <a:rPr lang="en-US" sz="2000" b="1" dirty="0">
                 <a:latin typeface="Arial" panose="020B0604020202020204" pitchFamily="34" charset="0"/>
                 <a:cs typeface="Arial" panose="020B0604020202020204" pitchFamily="34" charset="0"/>
               </a:rPr>
@@ -5060,72 +5424,18 @@
           </a:p>
           <a:p>
             <a:r>
-              <a:rPr lang="en-US" b="1" dirty="0">
+              <a:rPr lang="en-US" sz="2000" b="1" dirty="0">
                 <a:latin typeface="Arial" panose="020B0604020202020204" pitchFamily="34" charset="0"/>
                 <a:cs typeface="Arial" panose="020B0604020202020204" pitchFamily="34" charset="0"/>
               </a:rPr>
               <a:t>1) Epoch Time Cycles to 2) process (not) syntax as instructions</a:t>
             </a:r>
             <a:r>
-              <a:rPr lang="en-US" sz="2000" b="1" dirty="0">
+              <a:rPr lang="en-US" sz="2400" b="1" dirty="0">
                 <a:latin typeface="Arial" panose="020B0604020202020204" pitchFamily="34" charset="0"/>
                 <a:cs typeface="Arial" panose="020B0604020202020204" pitchFamily="34" charset="0"/>
               </a:rPr>
               <a:t> </a:t>
-            </a:r>
-          </a:p>
-        </p:txBody>
-      </p:sp>
-      <p:sp>
-        <p:nvSpPr>
-          <p:cNvPr id="24" name="TextBox 23">
-            <a:extLst>
-              <a:ext uri="{FF2B5EF4-FFF2-40B4-BE49-F238E27FC236}">
-                <a16:creationId xmlns:a16="http://schemas.microsoft.com/office/drawing/2014/main" id="{A159C241-60B6-4A6A-BB76-8E167103F152}"/>
-              </a:ext>
-            </a:extLst>
-          </p:cNvPr>
-          <p:cNvSpPr txBox="1"/>
-          <p:nvPr/>
-        </p:nvSpPr>
-        <p:spPr>
-          <a:xfrm>
-            <a:off x="7181500" y="6116879"/>
-            <a:ext cx="1290225" cy="769441"/>
-          </a:xfrm>
-          <a:prstGeom prst="rect">
-            <a:avLst/>
-          </a:prstGeom>
-          <a:noFill/>
-        </p:spPr>
-        <p:txBody>
-          <a:bodyPr wrap="none" rtlCol="0">
-            <a:spAutoFit/>
-          </a:bodyPr>
-          <a:lstStyle/>
-          <a:p>
-            <a:r>
-              <a:rPr lang="en-US" sz="2800" b="1" dirty="0">
-                <a:latin typeface="Arial" panose="020B0604020202020204" pitchFamily="34" charset="0"/>
-                <a:cs typeface="Arial" panose="020B0604020202020204" pitchFamily="34" charset="0"/>
-              </a:rPr>
-              <a:t>- </a:t>
-            </a:r>
-            <a:r>
-              <a:rPr lang="en-US" sz="1600" b="1" dirty="0">
-                <a:latin typeface="Arial" panose="020B0604020202020204" pitchFamily="34" charset="0"/>
-                <a:cs typeface="Arial" panose="020B0604020202020204" pitchFamily="34" charset="0"/>
-              </a:rPr>
-              <a:t>FILTERS</a:t>
-            </a:r>
-          </a:p>
-          <a:p>
-            <a:r>
-              <a:rPr lang="en-US" sz="1600" b="1" dirty="0">
-                <a:latin typeface="Arial" panose="020B0604020202020204" pitchFamily="34" charset="0"/>
-                <a:cs typeface="Arial" panose="020B0604020202020204" pitchFamily="34" charset="0"/>
-              </a:rPr>
-              <a:t>- Workflow </a:t>
             </a:r>
           </a:p>
         </p:txBody>
@@ -5146,7 +5456,7 @@
         </p:nvGrpSpPr>
         <p:grpSpPr bwMode="auto">
           <a:xfrm>
-            <a:off x="7038321" y="4878718"/>
+            <a:off x="6814489" y="4827301"/>
             <a:ext cx="1296714" cy="1358324"/>
             <a:chOff x="-1632" y="1824"/>
             <a:chExt cx="960" cy="993"/>
@@ -5745,7 +6055,7 @@
                 <a:buFontTx/>
                 <a:buNone/>
               </a:pPr>
-              <a:endParaRPr lang="en-US" altLang="en-US" sz="1200">
+              <a:endParaRPr lang="en-US" altLang="en-US" sz="1200" dirty="0">
                 <a:latin typeface="Calibri" panose="020F0502020204030204" pitchFamily="34" charset="0"/>
               </a:endParaRPr>
             </a:p>
@@ -7859,8 +8169,8 @@
         </p:blipFill>
         <p:spPr>
           <a:xfrm>
-            <a:off x="9161929" y="0"/>
-            <a:ext cx="2906083" cy="1396666"/>
+            <a:off x="6825653" y="14841"/>
+            <a:ext cx="3075092" cy="1396666"/>
           </a:xfrm>
           <a:prstGeom prst="rect">
             <a:avLst/>
@@ -7881,7 +8191,7 @@
         </p:nvSpPr>
         <p:spPr>
           <a:xfrm>
-            <a:off x="6741438" y="183373"/>
+            <a:off x="9813171" y="434099"/>
             <a:ext cx="2436886" cy="1015663"/>
           </a:xfrm>
           <a:prstGeom prst="rect">
@@ -8143,10 +8453,386 @@
           </a:extLst>
         </p:spPr>
       </p:pic>
+      <p:sp>
+        <p:nvSpPr>
+          <p:cNvPr id="3" name="TextBox 2">
+            <a:extLst>
+              <a:ext uri="{FF2B5EF4-FFF2-40B4-BE49-F238E27FC236}">
+                <a16:creationId xmlns:a16="http://schemas.microsoft.com/office/drawing/2014/main" id="{2FCE678A-5F3A-4550-926A-5E46FB7CF721}"/>
+              </a:ext>
+            </a:extLst>
+          </p:cNvPr>
+          <p:cNvSpPr txBox="1"/>
+          <p:nvPr/>
+        </p:nvSpPr>
+        <p:spPr>
+          <a:xfrm>
+            <a:off x="8024682" y="4938102"/>
+            <a:ext cx="679994" cy="830997"/>
+          </a:xfrm>
+          <a:prstGeom prst="rect">
+            <a:avLst/>
+          </a:prstGeom>
+          <a:noFill/>
+        </p:spPr>
+        <p:txBody>
+          <a:bodyPr wrap="none" rtlCol="0">
+            <a:spAutoFit/>
+          </a:bodyPr>
+          <a:lstStyle/>
+          <a:p>
+            <a:r>
+              <a:rPr lang="en-US" sz="1200" b="1" dirty="0"/>
+              <a:t>      0 =</a:t>
+            </a:r>
+          </a:p>
+          <a:p>
+            <a:pPr algn="ctr"/>
+            <a:r>
+              <a:rPr lang="en-US" sz="1200" b="1" dirty="0"/>
+              <a:t>Genesis</a:t>
+            </a:r>
+          </a:p>
+          <a:p>
+            <a:pPr algn="ctr"/>
+            <a:r>
+              <a:rPr lang="en-US" sz="1200" b="1" dirty="0"/>
+              <a:t>Time</a:t>
+            </a:r>
+          </a:p>
+          <a:p>
+            <a:pPr algn="ctr"/>
+            <a:r>
+              <a:rPr lang="en-US" sz="1200" b="1" dirty="0"/>
+              <a:t>Epoch</a:t>
+            </a:r>
+          </a:p>
+        </p:txBody>
+      </p:sp>
+      <p:pic>
+        <p:nvPicPr>
+          <p:cNvPr id="69" name="Picture 84" descr="globe">
+            <a:extLst>
+              <a:ext uri="{FF2B5EF4-FFF2-40B4-BE49-F238E27FC236}">
+                <a16:creationId xmlns:a16="http://schemas.microsoft.com/office/drawing/2014/main" id="{BFA92943-FFD4-4DFE-87F1-EBD0763EE96C}"/>
+              </a:ext>
+            </a:extLst>
+          </p:cNvPr>
+          <p:cNvPicPr>
+            <a:picLocks noChangeAspect="1" noChangeArrowheads="1"/>
+          </p:cNvPicPr>
+          <p:nvPr/>
+        </p:nvPicPr>
+        <p:blipFill>
+          <a:blip r:embed="rId15">
+            <a:extLst>
+              <a:ext uri="{28A0092B-C50C-407E-A947-70E740481C1C}">
+                <a14:useLocalDpi xmlns:a14="http://schemas.microsoft.com/office/drawing/2010/main" val="0"/>
+              </a:ext>
+            </a:extLst>
+          </a:blip>
+          <a:srcRect/>
+          <a:stretch>
+            <a:fillRect/>
+          </a:stretch>
+        </p:blipFill>
+        <p:spPr bwMode="auto">
+          <a:xfrm>
+            <a:off x="9891619" y="2345"/>
+            <a:ext cx="2300381" cy="529013"/>
+          </a:xfrm>
+          <a:prstGeom prst="rect">
+            <a:avLst/>
+          </a:prstGeom>
+          <a:noFill/>
+          <a:ln>
+            <a:noFill/>
+          </a:ln>
+          <a:extLst>
+            <a:ext uri="{909E8E84-426E-40DD-AFC4-6F175D3DCCD1}">
+              <a14:hiddenFill xmlns:a14="http://schemas.microsoft.com/office/drawing/2010/main">
+                <a:solidFill>
+                  <a:srgbClr val="FFFFFF"/>
+                </a:solidFill>
+              </a14:hiddenFill>
+            </a:ext>
+            <a:ext uri="{91240B29-F687-4F45-9708-019B960494DF}">
+              <a14:hiddenLine xmlns:a14="http://schemas.microsoft.com/office/drawing/2010/main" w="9525">
+                <a:solidFill>
+                  <a:srgbClr val="000000"/>
+                </a:solidFill>
+                <a:miter lim="800000"/>
+                <a:headEnd/>
+                <a:tailEnd/>
+              </a14:hiddenLine>
+            </a:ext>
+          </a:extLst>
+        </p:spPr>
+      </p:pic>
+      <p:pic>
+        <p:nvPicPr>
+          <p:cNvPr id="66" name="Picture 303" descr="rgfiahjg[1]">
+            <a:extLst>
+              <a:ext uri="{FF2B5EF4-FFF2-40B4-BE49-F238E27FC236}">
+                <a16:creationId xmlns:a16="http://schemas.microsoft.com/office/drawing/2014/main" id="{EDF50AA8-C812-4713-8322-D1AA7046C8AE}"/>
+              </a:ext>
+            </a:extLst>
+          </p:cNvPr>
+          <p:cNvPicPr>
+            <a:picLocks noChangeAspect="1" noChangeArrowheads="1"/>
+          </p:cNvPicPr>
+          <p:nvPr/>
+        </p:nvPicPr>
+        <p:blipFill>
+          <a:blip r:embed="rId16">
+            <a:extLst>
+              <a:ext uri="{28A0092B-C50C-407E-A947-70E740481C1C}">
+                <a14:useLocalDpi xmlns:a14="http://schemas.microsoft.com/office/drawing/2010/main" val="0"/>
+              </a:ext>
+            </a:extLst>
+          </a:blip>
+          <a:srcRect/>
+          <a:stretch>
+            <a:fillRect/>
+          </a:stretch>
+        </p:blipFill>
+        <p:spPr bwMode="auto">
+          <a:xfrm>
+            <a:off x="9945458" y="140150"/>
+            <a:ext cx="253163" cy="267868"/>
+          </a:xfrm>
+          <a:prstGeom prst="rect">
+            <a:avLst/>
+          </a:prstGeom>
+          <a:noFill/>
+          <a:ln>
+            <a:noFill/>
+          </a:ln>
+          <a:extLst>
+            <a:ext uri="{909E8E84-426E-40DD-AFC4-6F175D3DCCD1}">
+              <a14:hiddenFill xmlns:a14="http://schemas.microsoft.com/office/drawing/2010/main">
+                <a:solidFill>
+                  <a:srgbClr val="FFFFFF"/>
+                </a:solidFill>
+              </a14:hiddenFill>
+            </a:ext>
+            <a:ext uri="{91240B29-F687-4F45-9708-019B960494DF}">
+              <a14:hiddenLine xmlns:a14="http://schemas.microsoft.com/office/drawing/2010/main" w="9525">
+                <a:solidFill>
+                  <a:srgbClr val="000000"/>
+                </a:solidFill>
+                <a:miter lim="800000"/>
+                <a:headEnd/>
+                <a:tailEnd/>
+              </a14:hiddenLine>
+            </a:ext>
+          </a:extLst>
+        </p:spPr>
+      </p:pic>
+      <p:pic>
+        <p:nvPicPr>
+          <p:cNvPr id="75" name="Picture 303" descr="rgfiahjg[1]">
+            <a:extLst>
+              <a:ext uri="{FF2B5EF4-FFF2-40B4-BE49-F238E27FC236}">
+                <a16:creationId xmlns:a16="http://schemas.microsoft.com/office/drawing/2014/main" id="{7F48BC61-BD04-49C7-995B-4D50B0F3509C}"/>
+              </a:ext>
+            </a:extLst>
+          </p:cNvPr>
+          <p:cNvPicPr>
+            <a:picLocks noChangeAspect="1" noChangeArrowheads="1"/>
+          </p:cNvPicPr>
+          <p:nvPr/>
+        </p:nvPicPr>
+        <p:blipFill>
+          <a:blip r:embed="rId16">
+            <a:extLst>
+              <a:ext uri="{28A0092B-C50C-407E-A947-70E740481C1C}">
+                <a14:useLocalDpi xmlns:a14="http://schemas.microsoft.com/office/drawing/2010/main" val="0"/>
+              </a:ext>
+            </a:extLst>
+          </a:blip>
+          <a:srcRect/>
+          <a:stretch>
+            <a:fillRect/>
+          </a:stretch>
+        </p:blipFill>
+        <p:spPr bwMode="auto">
+          <a:xfrm>
+            <a:off x="11926880" y="132917"/>
+            <a:ext cx="253163" cy="267868"/>
+          </a:xfrm>
+          <a:prstGeom prst="rect">
+            <a:avLst/>
+          </a:prstGeom>
+          <a:noFill/>
+          <a:ln>
+            <a:noFill/>
+          </a:ln>
+          <a:extLst>
+            <a:ext uri="{909E8E84-426E-40DD-AFC4-6F175D3DCCD1}">
+              <a14:hiddenFill xmlns:a14="http://schemas.microsoft.com/office/drawing/2010/main">
+                <a:solidFill>
+                  <a:srgbClr val="FFFFFF"/>
+                </a:solidFill>
+              </a14:hiddenFill>
+            </a:ext>
+            <a:ext uri="{91240B29-F687-4F45-9708-019B960494DF}">
+              <a14:hiddenLine xmlns:a14="http://schemas.microsoft.com/office/drawing/2010/main" w="9525">
+                <a:solidFill>
+                  <a:srgbClr val="000000"/>
+                </a:solidFill>
+                <a:miter lim="800000"/>
+                <a:headEnd/>
+                <a:tailEnd/>
+              </a14:hiddenLine>
+            </a:ext>
+          </a:extLst>
+        </p:spPr>
+      </p:pic>
+      <p:pic>
+        <p:nvPicPr>
+          <p:cNvPr id="76" name="Picture 75">
+            <a:extLst>
+              <a:ext uri="{FF2B5EF4-FFF2-40B4-BE49-F238E27FC236}">
+                <a16:creationId xmlns:a16="http://schemas.microsoft.com/office/drawing/2014/main" id="{991637AB-0AD7-4C83-9CCA-7BD1022C73CB}"/>
+              </a:ext>
+            </a:extLst>
+          </p:cNvPr>
+          <p:cNvPicPr>
+            <a:picLocks noChangeAspect="1"/>
+          </p:cNvPicPr>
+          <p:nvPr/>
+        </p:nvPicPr>
+        <p:blipFill rotWithShape="1">
+          <a:blip r:embed="rId17" cstate="print">
+            <a:extLst>
+              <a:ext uri="{28A0092B-C50C-407E-A947-70E740481C1C}">
+                <a14:useLocalDpi xmlns:a14="http://schemas.microsoft.com/office/drawing/2010/main" val="0"/>
+              </a:ext>
+            </a:extLst>
+          </a:blip>
+          <a:srcRect t="15754" b="14282"/>
+          <a:stretch/>
+        </p:blipFill>
+        <p:spPr>
+          <a:xfrm>
+            <a:off x="11725592" y="831599"/>
+            <a:ext cx="402576" cy="342937"/>
+          </a:xfrm>
+          <a:prstGeom prst="rect">
+            <a:avLst/>
+          </a:prstGeom>
+        </p:spPr>
+      </p:pic>
+      <p:sp>
+        <p:nvSpPr>
+          <p:cNvPr id="79" name="TextBox 78">
+            <a:extLst>
+              <a:ext uri="{FF2B5EF4-FFF2-40B4-BE49-F238E27FC236}">
+                <a16:creationId xmlns:a16="http://schemas.microsoft.com/office/drawing/2014/main" id="{E703C894-18D8-456E-94A2-FE8D7439318A}"/>
+              </a:ext>
+            </a:extLst>
+          </p:cNvPr>
+          <p:cNvSpPr txBox="1"/>
+          <p:nvPr/>
+        </p:nvSpPr>
+        <p:spPr>
+          <a:xfrm>
+            <a:off x="1811815" y="1940877"/>
+            <a:ext cx="4204036" cy="369332"/>
+          </a:xfrm>
+          <a:prstGeom prst="rect">
+            <a:avLst/>
+          </a:prstGeom>
+          <a:noFill/>
+        </p:spPr>
+        <p:txBody>
+          <a:bodyPr wrap="none" rtlCol="0">
+            <a:spAutoFit/>
+          </a:bodyPr>
+          <a:lstStyle/>
+          <a:p>
+            <a:r>
+              <a:rPr lang="en-US" b="1" dirty="0">
+                <a:solidFill>
+                  <a:schemeClr val="tx2"/>
+                </a:solidFill>
+              </a:rPr>
+              <a:t>COMPUTER CLOCK CYCLES / TIME EPOCHS</a:t>
+            </a:r>
+          </a:p>
+        </p:txBody>
+      </p:sp>
     </p:spTree>
     <p:extLst>
       <p:ext uri="{BB962C8B-B14F-4D97-AF65-F5344CB8AC3E}">
         <p14:creationId xmlns:p14="http://schemas.microsoft.com/office/powerpoint/2010/main" val="3289564410"/>
+      </p:ext>
+    </p:extLst>
+  </p:cSld>
+  <p:clrMapOvr>
+    <a:masterClrMapping/>
+  </p:clrMapOvr>
+</p:sld>
+</file>
+
+<file path=ppt/slides/slide3.xml><?xml version="1.0" encoding="utf-8"?>
+<p:sld xmlns:a="http://schemas.openxmlformats.org/drawingml/2006/main" xmlns:r="http://schemas.openxmlformats.org/officeDocument/2006/relationships" xmlns:p="http://schemas.openxmlformats.org/presentationml/2006/main">
+  <p:cSld>
+    <p:spTree>
+      <p:nvGrpSpPr>
+        <p:cNvPr id="1" name=""/>
+        <p:cNvGrpSpPr/>
+        <p:nvPr/>
+      </p:nvGrpSpPr>
+      <p:grpSpPr>
+        <a:xfrm>
+          <a:off x="0" y="0"/>
+          <a:ext cx="0" cy="0"/>
+          <a:chOff x="0" y="0"/>
+          <a:chExt cx="0" cy="0"/>
+        </a:xfrm>
+      </p:grpSpPr>
+      <p:pic>
+        <p:nvPicPr>
+          <p:cNvPr id="5" name="Picture 4" descr="A screenshot of a cell phone screen with text&#10;&#10;Description automatically generated">
+            <a:extLst>
+              <a:ext uri="{FF2B5EF4-FFF2-40B4-BE49-F238E27FC236}">
+                <a16:creationId xmlns:a16="http://schemas.microsoft.com/office/drawing/2014/main" id="{212CCE2C-3E22-4190-9283-7FC905B55B3D}"/>
+              </a:ext>
+            </a:extLst>
+          </p:cNvPr>
+          <p:cNvPicPr>
+            <a:picLocks noChangeAspect="1"/>
+          </p:cNvPicPr>
+          <p:nvPr/>
+        </p:nvPicPr>
+        <p:blipFill>
+          <a:blip r:embed="rId2">
+            <a:extLst>
+              <a:ext uri="{28A0092B-C50C-407E-A947-70E740481C1C}">
+                <a14:useLocalDpi xmlns:a14="http://schemas.microsoft.com/office/drawing/2010/main" val="0"/>
+              </a:ext>
+            </a:extLst>
+          </a:blip>
+          <a:stretch>
+            <a:fillRect/>
+          </a:stretch>
+        </p:blipFill>
+        <p:spPr>
+          <a:xfrm>
+            <a:off x="0" y="0"/>
+            <a:ext cx="12192000" cy="6858000"/>
+          </a:xfrm>
+          <a:prstGeom prst="rect">
+            <a:avLst/>
+          </a:prstGeom>
+        </p:spPr>
+      </p:pic>
+    </p:spTree>
+    <p:extLst>
+      <p:ext uri="{BB962C8B-B14F-4D97-AF65-F5344CB8AC3E}">
+        <p14:creationId xmlns:p14="http://schemas.microsoft.com/office/powerpoint/2010/main" val="1284384482"/>
       </p:ext>
     </p:extLst>
   </p:cSld>
